--- a/Real World Application/DS_Applications.pptx
+++ b/Real World Application/DS_Applications.pptx
@@ -5,35 +5,36 @@
     <p:sldMasterId id="2147483648" r:id="rId1"/>
   </p:sldMasterIdLst>
   <p:notesMasterIdLst>
-    <p:notesMasterId r:id="rId28"/>
+    <p:notesMasterId r:id="rId29"/>
   </p:notesMasterIdLst>
   <p:sldIdLst>
-    <p:sldId id="267" r:id="rId2"/>
-    <p:sldId id="268" r:id="rId3"/>
-    <p:sldId id="269" r:id="rId4"/>
-    <p:sldId id="270" r:id="rId5"/>
-    <p:sldId id="271" r:id="rId6"/>
-    <p:sldId id="272" r:id="rId7"/>
-    <p:sldId id="273" r:id="rId8"/>
-    <p:sldId id="274" r:id="rId9"/>
-    <p:sldId id="256" r:id="rId10"/>
-    <p:sldId id="257" r:id="rId11"/>
-    <p:sldId id="259" r:id="rId12"/>
-    <p:sldId id="260" r:id="rId13"/>
-    <p:sldId id="262" r:id="rId14"/>
-    <p:sldId id="263" r:id="rId15"/>
-    <p:sldId id="264" r:id="rId16"/>
-    <p:sldId id="265" r:id="rId17"/>
-    <p:sldId id="266" r:id="rId18"/>
-    <p:sldId id="283" r:id="rId19"/>
-    <p:sldId id="275" r:id="rId20"/>
-    <p:sldId id="276" r:id="rId21"/>
-    <p:sldId id="282" r:id="rId22"/>
-    <p:sldId id="277" r:id="rId23"/>
-    <p:sldId id="278" r:id="rId24"/>
-    <p:sldId id="281" r:id="rId25"/>
-    <p:sldId id="279" r:id="rId26"/>
-    <p:sldId id="280" r:id="rId27"/>
+    <p:sldId id="284" r:id="rId2"/>
+    <p:sldId id="267" r:id="rId3"/>
+    <p:sldId id="268" r:id="rId4"/>
+    <p:sldId id="269" r:id="rId5"/>
+    <p:sldId id="270" r:id="rId6"/>
+    <p:sldId id="271" r:id="rId7"/>
+    <p:sldId id="272" r:id="rId8"/>
+    <p:sldId id="273" r:id="rId9"/>
+    <p:sldId id="274" r:id="rId10"/>
+    <p:sldId id="256" r:id="rId11"/>
+    <p:sldId id="257" r:id="rId12"/>
+    <p:sldId id="259" r:id="rId13"/>
+    <p:sldId id="260" r:id="rId14"/>
+    <p:sldId id="262" r:id="rId15"/>
+    <p:sldId id="263" r:id="rId16"/>
+    <p:sldId id="264" r:id="rId17"/>
+    <p:sldId id="265" r:id="rId18"/>
+    <p:sldId id="266" r:id="rId19"/>
+    <p:sldId id="283" r:id="rId20"/>
+    <p:sldId id="275" r:id="rId21"/>
+    <p:sldId id="276" r:id="rId22"/>
+    <p:sldId id="282" r:id="rId23"/>
+    <p:sldId id="277" r:id="rId24"/>
+    <p:sldId id="278" r:id="rId25"/>
+    <p:sldId id="281" r:id="rId26"/>
+    <p:sldId id="279" r:id="rId27"/>
+    <p:sldId id="280" r:id="rId28"/>
   </p:sldIdLst>
   <p:sldSz cx="12192000" cy="6858000"/>
   <p:notesSz cx="6858000" cy="9144000"/>
@@ -222,7 +223,7 @@
           <a:p>
             <a:fld id="{052125AB-2BD2-4AF3-B842-ADFA49AFCDB9}" type="datetimeFigureOut">
               <a:rPr lang="en-IN" smtClean="0"/>
-              <a:t>29-11-2016</a:t>
+              <a:t>17-07-2020</a:t>
             </a:fld>
             <a:endParaRPr lang="en-IN"/>
           </a:p>
@@ -572,7 +573,7 @@
           <a:p>
             <a:fld id="{2BC91525-DFBD-4AED-B9B3-6DCD10248C91}" type="slidenum">
               <a:rPr lang="en-IN" smtClean="0"/>
-              <a:t>2</a:t>
+              <a:t>3</a:t>
             </a:fld>
             <a:endParaRPr lang="en-IN"/>
           </a:p>
@@ -656,7 +657,7 @@
           <a:p>
             <a:fld id="{2BC91525-DFBD-4AED-B9B3-6DCD10248C91}" type="slidenum">
               <a:rPr lang="en-IN" smtClean="0"/>
-              <a:t>3</a:t>
+              <a:t>4</a:t>
             </a:fld>
             <a:endParaRPr lang="en-IN"/>
           </a:p>
@@ -740,7 +741,7 @@
           <a:p>
             <a:fld id="{2BC91525-DFBD-4AED-B9B3-6DCD10248C91}" type="slidenum">
               <a:rPr lang="en-IN" smtClean="0"/>
-              <a:t>7</a:t>
+              <a:t>8</a:t>
             </a:fld>
             <a:endParaRPr lang="en-IN"/>
           </a:p>
@@ -890,7 +891,7 @@
           <a:p>
             <a:fld id="{1CFC6BD7-E5CD-46C1-BF2F-7BEE4B27F485}" type="datetime1">
               <a:rPr lang="en-IN" smtClean="0"/>
-              <a:t>29-11-2016</a:t>
+              <a:t>17-07-2020</a:t>
             </a:fld>
             <a:endParaRPr lang="en-IN"/>
           </a:p>
@@ -1064,7 +1065,7 @@
           <a:p>
             <a:fld id="{AAEE43B1-EF86-4FE7-876C-BBFE494BD1F2}" type="datetime1">
               <a:rPr lang="en-IN" smtClean="0"/>
-              <a:t>29-11-2016</a:t>
+              <a:t>17-07-2020</a:t>
             </a:fld>
             <a:endParaRPr lang="en-IN"/>
           </a:p>
@@ -1248,7 +1249,7 @@
           <a:p>
             <a:fld id="{7C6AF210-17E5-4BE4-A4A7-965786A3B87E}" type="datetime1">
               <a:rPr lang="en-IN" smtClean="0"/>
-              <a:t>29-11-2016</a:t>
+              <a:t>17-07-2020</a:t>
             </a:fld>
             <a:endParaRPr lang="en-IN"/>
           </a:p>
@@ -1422,7 +1423,7 @@
           <a:p>
             <a:fld id="{FA1D4B09-42DF-49DB-B9FA-D0E674C7E46E}" type="datetime1">
               <a:rPr lang="en-IN" smtClean="0"/>
-              <a:t>29-11-2016</a:t>
+              <a:t>17-07-2020</a:t>
             </a:fld>
             <a:endParaRPr lang="en-IN"/>
           </a:p>
@@ -1672,7 +1673,7 @@
           <a:p>
             <a:fld id="{F2A17BC9-E475-4DD6-AF31-B5AD4E65B4DA}" type="datetime1">
               <a:rPr lang="en-IN" smtClean="0"/>
-              <a:t>29-11-2016</a:t>
+              <a:t>17-07-2020</a:t>
             </a:fld>
             <a:endParaRPr lang="en-IN"/>
           </a:p>
@@ -1908,7 +1909,7 @@
           <a:p>
             <a:fld id="{E5BF1FFA-A742-46D6-ADCD-F3345B68310B}" type="datetime1">
               <a:rPr lang="en-IN" smtClean="0"/>
-              <a:t>29-11-2016</a:t>
+              <a:t>17-07-2020</a:t>
             </a:fld>
             <a:endParaRPr lang="en-IN"/>
           </a:p>
@@ -2279,7 +2280,7 @@
           <a:p>
             <a:fld id="{BB24993A-70AE-4C18-AC26-E2FA9F8F5674}" type="datetime1">
               <a:rPr lang="en-IN" smtClean="0"/>
-              <a:t>29-11-2016</a:t>
+              <a:t>17-07-2020</a:t>
             </a:fld>
             <a:endParaRPr lang="en-IN"/>
           </a:p>
@@ -2401,7 +2402,7 @@
           <a:p>
             <a:fld id="{89786ADD-6BD5-4437-9BCB-7C993231B8A8}" type="datetime1">
               <a:rPr lang="en-IN" smtClean="0"/>
-              <a:t>29-11-2016</a:t>
+              <a:t>17-07-2020</a:t>
             </a:fld>
             <a:endParaRPr lang="en-IN"/>
           </a:p>
@@ -2500,7 +2501,7 @@
           <a:p>
             <a:fld id="{476C2FBF-13B8-405A-8F6F-D701AFA1B3C5}" type="datetime1">
               <a:rPr lang="en-IN" smtClean="0"/>
-              <a:t>29-11-2016</a:t>
+              <a:t>17-07-2020</a:t>
             </a:fld>
             <a:endParaRPr lang="en-IN"/>
           </a:p>
@@ -2781,7 +2782,7 @@
           <a:p>
             <a:fld id="{0C8EA495-F0E0-4DDE-AAFB-2323DDDB444F}" type="datetime1">
               <a:rPr lang="en-IN" smtClean="0"/>
-              <a:t>29-11-2016</a:t>
+              <a:t>17-07-2020</a:t>
             </a:fld>
             <a:endParaRPr lang="en-IN"/>
           </a:p>
@@ -3038,7 +3039,7 @@
           <a:p>
             <a:fld id="{94882163-CC39-4E47-8F84-EE4CAAC8AAF2}" type="datetime1">
               <a:rPr lang="en-IN" smtClean="0"/>
-              <a:t>29-11-2016</a:t>
+              <a:t>17-07-2020</a:t>
             </a:fld>
             <a:endParaRPr lang="en-IN"/>
           </a:p>
@@ -3255,7 +3256,7 @@
           <a:p>
             <a:fld id="{DA5EAC2B-1CE6-4681-AFEB-CE93F70E49B1}" type="datetime1">
               <a:rPr lang="en-IN" smtClean="0"/>
-              <a:t>29-11-2016</a:t>
+              <a:t>17-07-2020</a:t>
             </a:fld>
             <a:endParaRPr lang="en-IN"/>
           </a:p>
@@ -3667,7 +3668,13 @@
       </p:grpSpPr>
       <p:sp>
         <p:nvSpPr>
-          <p:cNvPr id="2" name="Title 1"/>
+          <p:cNvPr id="2" name="Title 1">
+            <a:extLst>
+              <a:ext uri="{FF2B5EF4-FFF2-40B4-BE49-F238E27FC236}">
+                <a16:creationId xmlns:a16="http://schemas.microsoft.com/office/drawing/2014/main" id="{2E5DE83F-E1C7-4845-8E0E-F7659CACC2DA}"/>
+              </a:ext>
+            </a:extLst>
+          </p:cNvPr>
           <p:cNvSpPr>
             <a:spLocks noGrp="1"/>
           </p:cNvSpPr>
@@ -3682,15 +3689,27 @@
           <a:p>
             <a:r>
               <a:rPr lang="en-IN" dirty="0"/>
-              <a:t>AVL Tree</a:t>
-            </a:r>
-            <a:endParaRPr lang="en-US" dirty="0"/>
+              <a:t>Real World Application</a:t>
+            </a:r>
+            <a:br>
+              <a:rPr lang="en-IN" dirty="0"/>
+            </a:br>
+            <a:r>
+              <a:rPr lang="en-IN" dirty="0"/>
+              <a:t>of Data Structures</a:t>
+            </a:r>
           </a:p>
         </p:txBody>
       </p:sp>
       <p:sp>
         <p:nvSpPr>
-          <p:cNvPr id="3" name="Subtitle 2"/>
+          <p:cNvPr id="3" name="Subtitle 2">
+            <a:extLst>
+              <a:ext uri="{FF2B5EF4-FFF2-40B4-BE49-F238E27FC236}">
+                <a16:creationId xmlns:a16="http://schemas.microsoft.com/office/drawing/2014/main" id="{D8B7F83A-043B-4F62-8F31-C690E29C0446}"/>
+              </a:ext>
+            </a:extLst>
+          </p:cNvPr>
           <p:cNvSpPr>
             <a:spLocks noGrp="1"/>
           </p:cNvSpPr>
@@ -3705,15 +3724,49 @@
           <a:p>
             <a:r>
               <a:rPr lang="en-IN" dirty="0"/>
-              <a:t>Application in Memory Management of Linux</a:t>
-            </a:r>
-            <a:endParaRPr lang="en-US" dirty="0"/>
+              <a:t>Naman Goyal, Vishal Singh, Aditya Gupta</a:t>
+            </a:r>
           </a:p>
         </p:txBody>
       </p:sp>
       <p:sp>
         <p:nvSpPr>
-          <p:cNvPr id="6" name="Slide Number Placeholder 5"/>
+          <p:cNvPr id="4" name="Footer Placeholder 3">
+            <a:extLst>
+              <a:ext uri="{FF2B5EF4-FFF2-40B4-BE49-F238E27FC236}">
+                <a16:creationId xmlns:a16="http://schemas.microsoft.com/office/drawing/2014/main" id="{0CF60EED-9A72-4FB3-821A-AE73DC71D029}"/>
+              </a:ext>
+            </a:extLst>
+          </p:cNvPr>
+          <p:cNvSpPr>
+            <a:spLocks noGrp="1"/>
+          </p:cNvSpPr>
+          <p:nvPr>
+            <p:ph type="ftr" sz="quarter" idx="11"/>
+          </p:nvPr>
+        </p:nvSpPr>
+        <p:spPr/>
+        <p:txBody>
+          <a:bodyPr/>
+          <a:lstStyle/>
+          <a:p>
+            <a:r>
+              <a:rPr lang="en-US" dirty="0"/>
+              <a:t>29 November 2016, IIT RPR</a:t>
+            </a:r>
+            <a:endParaRPr lang="en-IN" dirty="0"/>
+          </a:p>
+        </p:txBody>
+      </p:sp>
+      <p:sp>
+        <p:nvSpPr>
+          <p:cNvPr id="5" name="Slide Number Placeholder 4">
+            <a:extLst>
+              <a:ext uri="{FF2B5EF4-FFF2-40B4-BE49-F238E27FC236}">
+                <a16:creationId xmlns:a16="http://schemas.microsoft.com/office/drawing/2014/main" id="{809E7EB7-65E3-4BBC-BF9E-4D56CB99FB6D}"/>
+              </a:ext>
+            </a:extLst>
+          </p:cNvPr>
           <p:cNvSpPr>
             <a:spLocks noGrp="1"/>
           </p:cNvSpPr>
@@ -3734,33 +3787,10 @@
           </a:p>
         </p:txBody>
       </p:sp>
-      <p:sp>
-        <p:nvSpPr>
-          <p:cNvPr id="7" name="Footer Placeholder 6"/>
-          <p:cNvSpPr>
-            <a:spLocks noGrp="1"/>
-          </p:cNvSpPr>
-          <p:nvPr>
-            <p:ph type="ftr" sz="quarter" idx="11"/>
-          </p:nvPr>
-        </p:nvSpPr>
-        <p:spPr/>
-        <p:txBody>
-          <a:bodyPr/>
-          <a:lstStyle/>
-          <a:p>
-            <a:r>
-              <a:rPr lang="en-US"/>
-              <a:t>Based on Linux Kernel by David Rusling</a:t>
-            </a:r>
-            <a:endParaRPr lang="en-IN"/>
-          </a:p>
-        </p:txBody>
-      </p:sp>
     </p:spTree>
     <p:extLst>
       <p:ext uri="{BB962C8B-B14F-4D97-AF65-F5344CB8AC3E}">
-        <p14:creationId xmlns:p14="http://schemas.microsoft.com/office/powerpoint/2010/main" val="3534961272"/>
+        <p14:creationId xmlns:p14="http://schemas.microsoft.com/office/powerpoint/2010/main" val="3000796790"/>
       </p:ext>
     </p:extLst>
   </p:cSld>
@@ -3794,6 +3824,126 @@
             <a:spLocks noGrp="1"/>
           </p:cNvSpPr>
           <p:nvPr>
+            <p:ph type="ctrTitle"/>
+          </p:nvPr>
+        </p:nvSpPr>
+        <p:spPr/>
+        <p:txBody>
+          <a:bodyPr/>
+          <a:lstStyle/>
+          <a:p>
+            <a:r>
+              <a:rPr lang="en-IN" dirty="0"/>
+              <a:t>Hash Table</a:t>
+            </a:r>
+          </a:p>
+        </p:txBody>
+      </p:sp>
+      <p:sp>
+        <p:nvSpPr>
+          <p:cNvPr id="3" name="Subtitle 2"/>
+          <p:cNvSpPr>
+            <a:spLocks noGrp="1"/>
+          </p:cNvSpPr>
+          <p:nvPr>
+            <p:ph type="subTitle" idx="1"/>
+          </p:nvPr>
+        </p:nvSpPr>
+        <p:spPr/>
+        <p:txBody>
+          <a:bodyPr/>
+          <a:lstStyle/>
+          <a:p>
+            <a:r>
+              <a:rPr lang="en-IN" dirty="0"/>
+              <a:t>Applications in dictionary clients</a:t>
+            </a:r>
+          </a:p>
+        </p:txBody>
+      </p:sp>
+      <p:sp>
+        <p:nvSpPr>
+          <p:cNvPr id="4" name="Footer Placeholder 3"/>
+          <p:cNvSpPr>
+            <a:spLocks noGrp="1"/>
+          </p:cNvSpPr>
+          <p:nvPr>
+            <p:ph type="ftr" sz="quarter" idx="11"/>
+          </p:nvPr>
+        </p:nvSpPr>
+        <p:spPr/>
+        <p:txBody>
+          <a:bodyPr/>
+          <a:lstStyle/>
+          <a:p>
+            <a:r>
+              <a:rPr lang="en-US" dirty="0"/>
+              <a:t>Based on Lecture Slides, Algorithms, 4th Edition, Robert Sedgewick and Kevin Wayne</a:t>
+            </a:r>
+            <a:endParaRPr lang="en-IN" dirty="0"/>
+          </a:p>
+        </p:txBody>
+      </p:sp>
+      <p:sp>
+        <p:nvSpPr>
+          <p:cNvPr id="5" name="Slide Number Placeholder 4"/>
+          <p:cNvSpPr>
+            <a:spLocks noGrp="1"/>
+          </p:cNvSpPr>
+          <p:nvPr>
+            <p:ph type="sldNum" sz="quarter" idx="12"/>
+          </p:nvPr>
+        </p:nvSpPr>
+        <p:spPr/>
+        <p:txBody>
+          <a:bodyPr/>
+          <a:lstStyle/>
+          <a:p>
+            <a:fld id="{BEE76C32-6E61-40C7-85E1-F37748E51406}" type="slidenum">
+              <a:rPr lang="en-IN" smtClean="0"/>
+              <a:t>10</a:t>
+            </a:fld>
+            <a:endParaRPr lang="en-IN"/>
+          </a:p>
+        </p:txBody>
+      </p:sp>
+    </p:spTree>
+    <p:extLst>
+      <p:ext uri="{BB962C8B-B14F-4D97-AF65-F5344CB8AC3E}">
+        <p14:creationId xmlns:p14="http://schemas.microsoft.com/office/powerpoint/2010/main" val="3758596566"/>
+      </p:ext>
+    </p:extLst>
+  </p:cSld>
+  <p:clrMapOvr>
+    <a:masterClrMapping/>
+  </p:clrMapOvr>
+</p:sld>
+</file>
+
+<file path=ppt/slides/slide11.xml><?xml version="1.0" encoding="utf-8"?>
+<p:sld xmlns:a="http://schemas.openxmlformats.org/drawingml/2006/main" xmlns:r="http://schemas.openxmlformats.org/officeDocument/2006/relationships" xmlns:p="http://schemas.openxmlformats.org/presentationml/2006/main">
+  <p:cSld>
+    <p:spTree>
+      <p:nvGrpSpPr>
+        <p:cNvPr id="1" name=""/>
+        <p:cNvGrpSpPr/>
+        <p:nvPr/>
+      </p:nvGrpSpPr>
+      <p:grpSpPr>
+        <a:xfrm>
+          <a:off x="0" y="0"/>
+          <a:ext cx="0" cy="0"/>
+          <a:chOff x="0" y="0"/>
+          <a:chExt cx="0" cy="0"/>
+        </a:xfrm>
+      </p:grpSpPr>
+      <p:sp>
+        <p:nvSpPr>
+          <p:cNvPr id="2" name="Title 1"/>
+          <p:cNvSpPr>
+            <a:spLocks noGrp="1"/>
+          </p:cNvSpPr>
+          <p:nvPr>
             <p:ph type="title"/>
           </p:nvPr>
         </p:nvSpPr>
@@ -3928,7 +4078,7 @@
           <a:p>
             <a:fld id="{BEE76C32-6E61-40C7-85E1-F37748E51406}" type="slidenum">
               <a:rPr lang="en-IN" smtClean="0"/>
-              <a:t>10</a:t>
+              <a:t>11</a:t>
             </a:fld>
             <a:endParaRPr lang="en-IN"/>
           </a:p>
@@ -4666,7 +4816,7 @@
 </p:sld>
 </file>
 
-<file path=ppt/slides/slide11.xml><?xml version="1.0" encoding="utf-8"?>
+<file path=ppt/slides/slide12.xml><?xml version="1.0" encoding="utf-8"?>
 <p:sld xmlns:a="http://schemas.openxmlformats.org/drawingml/2006/main" xmlns:r="http://schemas.openxmlformats.org/officeDocument/2006/relationships" xmlns:p="http://schemas.openxmlformats.org/presentationml/2006/main">
   <p:cSld>
     <p:spTree>
@@ -4751,7 +4901,7 @@
           <a:p>
             <a:fld id="{BEE76C32-6E61-40C7-85E1-F37748E51406}" type="slidenum">
               <a:rPr lang="en-IN" smtClean="0"/>
-              <a:t>11</a:t>
+              <a:t>12</a:t>
             </a:fld>
             <a:endParaRPr lang="en-IN"/>
           </a:p>
@@ -6796,7 +6946,7 @@
 </p:sld>
 </file>
 
-<file path=ppt/slides/slide12.xml><?xml version="1.0" encoding="utf-8"?>
+<file path=ppt/slides/slide13.xml><?xml version="1.0" encoding="utf-8"?>
 <p:sld xmlns:a="http://schemas.openxmlformats.org/drawingml/2006/main" xmlns:r="http://schemas.openxmlformats.org/officeDocument/2006/relationships" xmlns:p="http://schemas.openxmlformats.org/presentationml/2006/main">
   <p:cSld>
     <p:spTree>
@@ -7081,7 +7231,7 @@
           <a:p>
             <a:fld id="{BEE76C32-6E61-40C7-85E1-F37748E51406}" type="slidenum">
               <a:rPr lang="en-IN" smtClean="0"/>
-              <a:t>12</a:t>
+              <a:t>13</a:t>
             </a:fld>
             <a:endParaRPr lang="en-IN"/>
           </a:p>
@@ -13242,7 +13392,7 @@
 </p:sld>
 </file>
 
-<file path=ppt/slides/slide13.xml><?xml version="1.0" encoding="utf-8"?>
+<file path=ppt/slides/slide14.xml><?xml version="1.0" encoding="utf-8"?>
 <p:sld xmlns:a="http://schemas.openxmlformats.org/drawingml/2006/main" xmlns:r="http://schemas.openxmlformats.org/officeDocument/2006/relationships" xmlns:p="http://schemas.openxmlformats.org/presentationml/2006/main">
   <p:cSld>
     <p:spTree>
@@ -13343,7 +13493,7 @@
           <a:p>
             <a:fld id="{BEE76C32-6E61-40C7-85E1-F37748E51406}" type="slidenum">
               <a:rPr lang="en-IN" smtClean="0"/>
-              <a:t>13</a:t>
+              <a:t>14</a:t>
             </a:fld>
             <a:endParaRPr lang="en-IN"/>
           </a:p>
@@ -13359,547 +13509,6 @@
   <p:clrMapOvr>
     <a:masterClrMapping/>
   </p:clrMapOvr>
-</p:sld>
-</file>
-
-<file path=ppt/slides/slide14.xml><?xml version="1.0" encoding="utf-8"?>
-<p:sld xmlns:a="http://schemas.openxmlformats.org/drawingml/2006/main" xmlns:r="http://schemas.openxmlformats.org/officeDocument/2006/relationships" xmlns:p="http://schemas.openxmlformats.org/presentationml/2006/main">
-  <p:cSld>
-    <p:spTree>
-      <p:nvGrpSpPr>
-        <p:cNvPr id="1" name=""/>
-        <p:cNvGrpSpPr/>
-        <p:nvPr/>
-      </p:nvGrpSpPr>
-      <p:grpSpPr>
-        <a:xfrm>
-          <a:off x="0" y="0"/>
-          <a:ext cx="0" cy="0"/>
-          <a:chOff x="0" y="0"/>
-          <a:chExt cx="0" cy="0"/>
-        </a:xfrm>
-      </p:grpSpPr>
-      <p:sp>
-        <p:nvSpPr>
-          <p:cNvPr id="2" name="Title 1"/>
-          <p:cNvSpPr>
-            <a:spLocks noGrp="1"/>
-          </p:cNvSpPr>
-          <p:nvPr>
-            <p:ph type="title"/>
-          </p:nvPr>
-        </p:nvSpPr>
-        <p:spPr/>
-        <p:txBody>
-          <a:bodyPr/>
-          <a:lstStyle/>
-          <a:p>
-            <a:r>
-              <a:rPr lang="en-IN" dirty="0"/>
-              <a:t>Problem: OS Scheduling </a:t>
-            </a:r>
-          </a:p>
-        </p:txBody>
-      </p:sp>
-      <p:sp>
-        <p:nvSpPr>
-          <p:cNvPr id="3" name="Content Placeholder 2"/>
-          <p:cNvSpPr>
-            <a:spLocks noGrp="1"/>
-          </p:cNvSpPr>
-          <p:nvPr>
-            <p:ph idx="1"/>
-          </p:nvPr>
-        </p:nvSpPr>
-        <p:spPr/>
-        <p:txBody>
-          <a:bodyPr/>
-          <a:lstStyle/>
-          <a:p>
-            <a:r>
-              <a:rPr lang="en-IN" dirty="0"/>
-              <a:t>Goal: </a:t>
-            </a:r>
-            <a:r>
-              <a:rPr lang="en-US" altLang="zh-CN" dirty="0"/>
-              <a:t>fairness in dividing processor time to tasks.</a:t>
-            </a:r>
-          </a:p>
-          <a:p>
-            <a:r>
-              <a:rPr lang="en-US" dirty="0"/>
-              <a:t>Task scheduling is an important aspect to operating system design.</a:t>
-            </a:r>
-          </a:p>
-          <a:p>
-            <a:r>
-              <a:rPr lang="en-US" dirty="0"/>
-              <a:t>Example Schedulers:</a:t>
-            </a:r>
-          </a:p>
-          <a:p>
-            <a:pPr lvl="1"/>
-            <a:r>
-              <a:rPr lang="en-US" dirty="0"/>
-              <a:t>First Come, First Serve</a:t>
-            </a:r>
-          </a:p>
-          <a:p>
-            <a:pPr lvl="1"/>
-            <a:r>
-              <a:rPr lang="en-US" dirty="0"/>
-              <a:t>Shortest Job First</a:t>
-            </a:r>
-          </a:p>
-          <a:p>
-            <a:pPr lvl="1"/>
-            <a:r>
-              <a:rPr lang="en-US" dirty="0"/>
-              <a:t>Priority</a:t>
-            </a:r>
-          </a:p>
-          <a:p>
-            <a:pPr lvl="1"/>
-            <a:r>
-              <a:rPr lang="en-US" dirty="0"/>
-              <a:t>Round Robin</a:t>
-            </a:r>
-            <a:endParaRPr lang="en-IN" dirty="0"/>
-          </a:p>
-        </p:txBody>
-      </p:sp>
-      <p:sp>
-        <p:nvSpPr>
-          <p:cNvPr id="4" name="Footer Placeholder 3"/>
-          <p:cNvSpPr>
-            <a:spLocks noGrp="1"/>
-          </p:cNvSpPr>
-          <p:nvPr>
-            <p:ph type="ftr" sz="quarter" idx="11"/>
-          </p:nvPr>
-        </p:nvSpPr>
-        <p:spPr/>
-        <p:txBody>
-          <a:bodyPr/>
-          <a:lstStyle/>
-          <a:p>
-            <a:r>
-              <a:rPr lang="en-US" dirty="0"/>
-              <a:t>Based on “Inside the Linux 2.6 Completely Fair Scheduler”-http://www.ibm.com/developerworks/linux/library/l-completely-fair-scheduler/</a:t>
-            </a:r>
-            <a:endParaRPr lang="en-IN" dirty="0"/>
-          </a:p>
-        </p:txBody>
-      </p:sp>
-      <p:sp>
-        <p:nvSpPr>
-          <p:cNvPr id="5" name="Slide Number Placeholder 4"/>
-          <p:cNvSpPr>
-            <a:spLocks noGrp="1"/>
-          </p:cNvSpPr>
-          <p:nvPr>
-            <p:ph type="sldNum" sz="quarter" idx="12"/>
-          </p:nvPr>
-        </p:nvSpPr>
-        <p:spPr/>
-        <p:txBody>
-          <a:bodyPr/>
-          <a:lstStyle/>
-          <a:p>
-            <a:fld id="{BEE76C32-6E61-40C7-85E1-F37748E51406}" type="slidenum">
-              <a:rPr lang="en-IN" smtClean="0"/>
-              <a:t>14</a:t>
-            </a:fld>
-            <a:endParaRPr lang="en-IN"/>
-          </a:p>
-        </p:txBody>
-      </p:sp>
-    </p:spTree>
-    <p:extLst>
-      <p:ext uri="{BB962C8B-B14F-4D97-AF65-F5344CB8AC3E}">
-        <p14:creationId xmlns:p14="http://schemas.microsoft.com/office/powerpoint/2010/main" val="112298657"/>
-      </p:ext>
-    </p:extLst>
-  </p:cSld>
-  <p:clrMapOvr>
-    <a:masterClrMapping/>
-  </p:clrMapOvr>
-  <p:timing>
-    <p:tnLst>
-      <p:par>
-        <p:cTn id="1" dur="indefinite" restart="never" nodeType="tmRoot">
-          <p:childTnLst>
-            <p:seq concurrent="1" nextAc="seek">
-              <p:cTn id="2" dur="indefinite" nodeType="mainSeq">
-                <p:childTnLst>
-                  <p:par>
-                    <p:cTn id="3" fill="hold">
-                      <p:stCondLst>
-                        <p:cond delay="indefinite"/>
-                      </p:stCondLst>
-                      <p:childTnLst>
-                        <p:par>
-                          <p:cTn id="4" fill="hold">
-                            <p:stCondLst>
-                              <p:cond delay="0"/>
-                            </p:stCondLst>
-                            <p:childTnLst>
-                              <p:par>
-                                <p:cTn id="5" presetID="1" presetClass="entr" presetSubtype="0" fill="hold" grpId="0" nodeType="clickEffect">
-                                  <p:stCondLst>
-                                    <p:cond delay="0"/>
-                                  </p:stCondLst>
-                                  <p:childTnLst>
-                                    <p:set>
-                                      <p:cBhvr>
-                                        <p:cTn id="6" dur="1" fill="hold">
-                                          <p:stCondLst>
-                                            <p:cond delay="0"/>
-                                          </p:stCondLst>
-                                        </p:cTn>
-                                        <p:tgtEl>
-                                          <p:spTgt spid="3">
-                                            <p:txEl>
-                                              <p:pRg st="0" end="0"/>
-                                            </p:txEl>
-                                          </p:spTgt>
-                                        </p:tgtEl>
-                                        <p:attrNameLst>
-                                          <p:attrName>style.visibility</p:attrName>
-                                        </p:attrNameLst>
-                                      </p:cBhvr>
-                                      <p:to>
-                                        <p:strVal val="visible"/>
-                                      </p:to>
-                                    </p:set>
-                                  </p:childTnLst>
-                                </p:cTn>
-                              </p:par>
-                            </p:childTnLst>
-                          </p:cTn>
-                        </p:par>
-                      </p:childTnLst>
-                    </p:cTn>
-                  </p:par>
-                  <p:par>
-                    <p:cTn id="7" fill="hold">
-                      <p:stCondLst>
-                        <p:cond delay="indefinite"/>
-                      </p:stCondLst>
-                      <p:childTnLst>
-                        <p:par>
-                          <p:cTn id="8" fill="hold">
-                            <p:stCondLst>
-                              <p:cond delay="0"/>
-                            </p:stCondLst>
-                            <p:childTnLst>
-                              <p:par>
-                                <p:cTn id="9" presetID="1" presetClass="entr" presetSubtype="0" fill="hold" grpId="0" nodeType="clickEffect">
-                                  <p:stCondLst>
-                                    <p:cond delay="0"/>
-                                  </p:stCondLst>
-                                  <p:childTnLst>
-                                    <p:set>
-                                      <p:cBhvr>
-                                        <p:cTn id="10" dur="1" fill="hold">
-                                          <p:stCondLst>
-                                            <p:cond delay="0"/>
-                                          </p:stCondLst>
-                                        </p:cTn>
-                                        <p:tgtEl>
-                                          <p:spTgt spid="3">
-                                            <p:txEl>
-                                              <p:pRg st="1" end="1"/>
-                                            </p:txEl>
-                                          </p:spTgt>
-                                        </p:tgtEl>
-                                        <p:attrNameLst>
-                                          <p:attrName>style.visibility</p:attrName>
-                                        </p:attrNameLst>
-                                      </p:cBhvr>
-                                      <p:to>
-                                        <p:strVal val="visible"/>
-                                      </p:to>
-                                    </p:set>
-                                  </p:childTnLst>
-                                </p:cTn>
-                              </p:par>
-                            </p:childTnLst>
-                          </p:cTn>
-                        </p:par>
-                      </p:childTnLst>
-                    </p:cTn>
-                  </p:par>
-                  <p:par>
-                    <p:cTn id="11" fill="hold">
-                      <p:stCondLst>
-                        <p:cond delay="indefinite"/>
-                      </p:stCondLst>
-                      <p:childTnLst>
-                        <p:par>
-                          <p:cTn id="12" fill="hold">
-                            <p:stCondLst>
-                              <p:cond delay="0"/>
-                            </p:stCondLst>
-                            <p:childTnLst>
-                              <p:par>
-                                <p:cTn id="13" presetID="1" presetClass="entr" presetSubtype="0" fill="hold" grpId="0" nodeType="clickEffect">
-                                  <p:stCondLst>
-                                    <p:cond delay="0"/>
-                                  </p:stCondLst>
-                                  <p:childTnLst>
-                                    <p:set>
-                                      <p:cBhvr>
-                                        <p:cTn id="14" dur="1" fill="hold">
-                                          <p:stCondLst>
-                                            <p:cond delay="0"/>
-                                          </p:stCondLst>
-                                        </p:cTn>
-                                        <p:tgtEl>
-                                          <p:spTgt spid="3">
-                                            <p:txEl>
-                                              <p:pRg st="2" end="2"/>
-                                            </p:txEl>
-                                          </p:spTgt>
-                                        </p:tgtEl>
-                                        <p:attrNameLst>
-                                          <p:attrName>style.visibility</p:attrName>
-                                        </p:attrNameLst>
-                                      </p:cBhvr>
-                                      <p:to>
-                                        <p:strVal val="visible"/>
-                                      </p:to>
-                                    </p:set>
-                                  </p:childTnLst>
-                                </p:cTn>
-                              </p:par>
-                            </p:childTnLst>
-                          </p:cTn>
-                        </p:par>
-                      </p:childTnLst>
-                    </p:cTn>
-                  </p:par>
-                  <p:par>
-                    <p:cTn id="15" fill="hold">
-                      <p:stCondLst>
-                        <p:cond delay="indefinite"/>
-                      </p:stCondLst>
-                      <p:childTnLst>
-                        <p:par>
-                          <p:cTn id="16" fill="hold">
-                            <p:stCondLst>
-                              <p:cond delay="0"/>
-                            </p:stCondLst>
-                            <p:childTnLst>
-                              <p:par>
-                                <p:cTn id="17" presetID="1" presetClass="entr" presetSubtype="0" fill="hold" grpId="0" nodeType="clickEffect">
-                                  <p:stCondLst>
-                                    <p:cond delay="0"/>
-                                  </p:stCondLst>
-                                  <p:childTnLst>
-                                    <p:set>
-                                      <p:cBhvr>
-                                        <p:cTn id="18" dur="1" fill="hold">
-                                          <p:stCondLst>
-                                            <p:cond delay="0"/>
-                                          </p:stCondLst>
-                                        </p:cTn>
-                                        <p:tgtEl>
-                                          <p:spTgt spid="3">
-                                            <p:txEl>
-                                              <p:pRg st="3" end="3"/>
-                                            </p:txEl>
-                                          </p:spTgt>
-                                        </p:tgtEl>
-                                        <p:attrNameLst>
-                                          <p:attrName>style.visibility</p:attrName>
-                                        </p:attrNameLst>
-                                      </p:cBhvr>
-                                      <p:to>
-                                        <p:strVal val="visible"/>
-                                      </p:to>
-                                    </p:set>
-                                  </p:childTnLst>
-                                </p:cTn>
-                              </p:par>
-                            </p:childTnLst>
-                          </p:cTn>
-                        </p:par>
-                      </p:childTnLst>
-                    </p:cTn>
-                  </p:par>
-                  <p:par>
-                    <p:cTn id="19" fill="hold">
-                      <p:stCondLst>
-                        <p:cond delay="indefinite"/>
-                      </p:stCondLst>
-                      <p:childTnLst>
-                        <p:par>
-                          <p:cTn id="20" fill="hold">
-                            <p:stCondLst>
-                              <p:cond delay="0"/>
-                            </p:stCondLst>
-                            <p:childTnLst>
-                              <p:par>
-                                <p:cTn id="21" presetID="1" presetClass="entr" presetSubtype="0" fill="hold" grpId="0" nodeType="clickEffect">
-                                  <p:stCondLst>
-                                    <p:cond delay="0"/>
-                                  </p:stCondLst>
-                                  <p:childTnLst>
-                                    <p:set>
-                                      <p:cBhvr>
-                                        <p:cTn id="22" dur="1" fill="hold">
-                                          <p:stCondLst>
-                                            <p:cond delay="0"/>
-                                          </p:stCondLst>
-                                        </p:cTn>
-                                        <p:tgtEl>
-                                          <p:spTgt spid="3">
-                                            <p:txEl>
-                                              <p:pRg st="4" end="4"/>
-                                            </p:txEl>
-                                          </p:spTgt>
-                                        </p:tgtEl>
-                                        <p:attrNameLst>
-                                          <p:attrName>style.visibility</p:attrName>
-                                        </p:attrNameLst>
-                                      </p:cBhvr>
-                                      <p:to>
-                                        <p:strVal val="visible"/>
-                                      </p:to>
-                                    </p:set>
-                                  </p:childTnLst>
-                                </p:cTn>
-                              </p:par>
-                            </p:childTnLst>
-                          </p:cTn>
-                        </p:par>
-                      </p:childTnLst>
-                    </p:cTn>
-                  </p:par>
-                  <p:par>
-                    <p:cTn id="23" fill="hold">
-                      <p:stCondLst>
-                        <p:cond delay="indefinite"/>
-                      </p:stCondLst>
-                      <p:childTnLst>
-                        <p:par>
-                          <p:cTn id="24" fill="hold">
-                            <p:stCondLst>
-                              <p:cond delay="0"/>
-                            </p:stCondLst>
-                            <p:childTnLst>
-                              <p:par>
-                                <p:cTn id="25" presetID="1" presetClass="entr" presetSubtype="0" fill="hold" grpId="0" nodeType="clickEffect">
-                                  <p:stCondLst>
-                                    <p:cond delay="0"/>
-                                  </p:stCondLst>
-                                  <p:childTnLst>
-                                    <p:set>
-                                      <p:cBhvr>
-                                        <p:cTn id="26" dur="1" fill="hold">
-                                          <p:stCondLst>
-                                            <p:cond delay="0"/>
-                                          </p:stCondLst>
-                                        </p:cTn>
-                                        <p:tgtEl>
-                                          <p:spTgt spid="3">
-                                            <p:txEl>
-                                              <p:pRg st="5" end="5"/>
-                                            </p:txEl>
-                                          </p:spTgt>
-                                        </p:tgtEl>
-                                        <p:attrNameLst>
-                                          <p:attrName>style.visibility</p:attrName>
-                                        </p:attrNameLst>
-                                      </p:cBhvr>
-                                      <p:to>
-                                        <p:strVal val="visible"/>
-                                      </p:to>
-                                    </p:set>
-                                  </p:childTnLst>
-                                </p:cTn>
-                              </p:par>
-                            </p:childTnLst>
-                          </p:cTn>
-                        </p:par>
-                      </p:childTnLst>
-                    </p:cTn>
-                  </p:par>
-                  <p:par>
-                    <p:cTn id="27" fill="hold">
-                      <p:stCondLst>
-                        <p:cond delay="indefinite"/>
-                      </p:stCondLst>
-                      <p:childTnLst>
-                        <p:par>
-                          <p:cTn id="28" fill="hold">
-                            <p:stCondLst>
-                              <p:cond delay="0"/>
-                            </p:stCondLst>
-                            <p:childTnLst>
-                              <p:par>
-                                <p:cTn id="29" presetID="1" presetClass="entr" presetSubtype="0" fill="hold" grpId="0" nodeType="clickEffect">
-                                  <p:stCondLst>
-                                    <p:cond delay="0"/>
-                                  </p:stCondLst>
-                                  <p:childTnLst>
-                                    <p:set>
-                                      <p:cBhvr>
-                                        <p:cTn id="30" dur="1" fill="hold">
-                                          <p:stCondLst>
-                                            <p:cond delay="0"/>
-                                          </p:stCondLst>
-                                        </p:cTn>
-                                        <p:tgtEl>
-                                          <p:spTgt spid="3">
-                                            <p:txEl>
-                                              <p:pRg st="6" end="6"/>
-                                            </p:txEl>
-                                          </p:spTgt>
-                                        </p:tgtEl>
-                                        <p:attrNameLst>
-                                          <p:attrName>style.visibility</p:attrName>
-                                        </p:attrNameLst>
-                                      </p:cBhvr>
-                                      <p:to>
-                                        <p:strVal val="visible"/>
-                                      </p:to>
-                                    </p:set>
-                                  </p:childTnLst>
-                                </p:cTn>
-                              </p:par>
-                            </p:childTnLst>
-                          </p:cTn>
-                        </p:par>
-                      </p:childTnLst>
-                    </p:cTn>
-                  </p:par>
-                </p:childTnLst>
-              </p:cTn>
-              <p:prevCondLst>
-                <p:cond evt="onPrev" delay="0">
-                  <p:tgtEl>
-                    <p:sldTgt/>
-                  </p:tgtEl>
-                </p:cond>
-              </p:prevCondLst>
-              <p:nextCondLst>
-                <p:cond evt="onNext" delay="0">
-                  <p:tgtEl>
-                    <p:sldTgt/>
-                  </p:tgtEl>
-                </p:cond>
-              </p:nextCondLst>
-            </p:seq>
-          </p:childTnLst>
-        </p:cTn>
-      </p:par>
-    </p:tnLst>
-    <p:bldLst>
-      <p:bldP spid="3" grpId="0" uiExpand="1" build="p"/>
-    </p:bldLst>
-  </p:timing>
 </p:sld>
 </file>
 
@@ -13935,16 +13544,10 @@
           <a:bodyPr/>
           <a:lstStyle/>
           <a:p>
-            <a:pPr algn="ctr"/>
             <a:r>
               <a:rPr lang="en-IN" dirty="0"/>
-              <a:t>Completely </a:t>
-            </a:r>
-            <a:r>
-              <a:rPr lang="en-IN"/>
-              <a:t>Fair Scheduler</a:t>
-            </a:r>
-            <a:endParaRPr lang="en-IN" dirty="0"/>
+              <a:t>Problem: OS Scheduling </a:t>
+            </a:r>
           </a:p>
         </p:txBody>
       </p:sp>
@@ -13964,52 +13567,53 @@
           <a:lstStyle/>
           <a:p>
             <a:r>
+              <a:rPr lang="en-IN" dirty="0"/>
+              <a:t>Goal: </a:t>
+            </a:r>
+            <a:r>
+              <a:rPr lang="en-US" altLang="zh-CN" dirty="0"/>
+              <a:t>fairness in dividing processor time to tasks.</a:t>
+            </a:r>
+          </a:p>
+          <a:p>
+            <a:r>
               <a:rPr lang="en-US" dirty="0"/>
-              <a:t>Queue ordered in terms of “virtual run time”</a:t>
+              <a:t>Task scheduling is an important aspect to operating system design.</a:t>
+            </a:r>
+          </a:p>
+          <a:p>
+            <a:r>
+              <a:rPr lang="en-US" dirty="0"/>
+              <a:t>Example Schedulers:</a:t>
             </a:r>
           </a:p>
           <a:p>
             <a:pPr lvl="1"/>
             <a:r>
               <a:rPr lang="en-US" dirty="0"/>
-              <a:t>smallest value picked for using CPU</a:t>
+              <a:t>First Come, First Serve</a:t>
             </a:r>
           </a:p>
           <a:p>
             <a:pPr lvl="1"/>
             <a:r>
               <a:rPr lang="en-US" dirty="0"/>
-              <a:t>small values: tasks have received less time on CPU</a:t>
+              <a:t>Shortest Job First</a:t>
             </a:r>
           </a:p>
           <a:p>
             <a:pPr lvl="1"/>
             <a:r>
               <a:rPr lang="en-US" dirty="0"/>
-              <a:t>tasks blocked on I/O have smaller values</a:t>
+              <a:t>Priority</a:t>
             </a:r>
           </a:p>
           <a:p>
             <a:pPr lvl="1"/>
             <a:r>
               <a:rPr lang="en-US" dirty="0"/>
-              <a:t>execution time on CPU added to value</a:t>
-            </a:r>
-          </a:p>
-          <a:p>
-            <a:pPr lvl="1"/>
-            <a:r>
-              <a:rPr lang="en-US" dirty="0"/>
-              <a:t>priorities cause different decays of values</a:t>
-            </a:r>
-          </a:p>
-          <a:p>
-            <a:r>
-              <a:rPr lang="en-US" dirty="0"/>
-              <a:t>Bottom Line: The smaller a task's virtual runtime, the higher its need for the processor</a:t>
-            </a:r>
-          </a:p>
-          <a:p>
+              <a:t>Round Robin</a:t>
+            </a:r>
             <a:endParaRPr lang="en-IN" dirty="0"/>
           </a:p>
         </p:txBody>
@@ -14024,12 +13628,7 @@
             <p:ph type="ftr" sz="quarter" idx="11"/>
           </p:nvPr>
         </p:nvSpPr>
-        <p:spPr>
-          <a:xfrm>
-            <a:off x="3229791" y="6356349"/>
-            <a:ext cx="5732417" cy="365125"/>
-          </a:xfrm>
-        </p:spPr>
+        <p:spPr/>
         <p:txBody>
           <a:bodyPr/>
           <a:lstStyle/>
@@ -14068,7 +13667,7 @@
     </p:spTree>
     <p:extLst>
       <p:ext uri="{BB962C8B-B14F-4D97-AF65-F5344CB8AC3E}">
-        <p14:creationId xmlns:p14="http://schemas.microsoft.com/office/powerpoint/2010/main" val="3120346996"/>
+        <p14:creationId xmlns:p14="http://schemas.microsoft.com/office/powerpoint/2010/main" val="112298657"/>
       </p:ext>
     </p:extLst>
   </p:cSld>
@@ -14486,6 +14085,557 @@
           <a:bodyPr/>
           <a:lstStyle/>
           <a:p>
+            <a:pPr algn="ctr"/>
+            <a:r>
+              <a:rPr lang="en-IN" dirty="0"/>
+              <a:t>Completely </a:t>
+            </a:r>
+            <a:r>
+              <a:rPr lang="en-IN"/>
+              <a:t>Fair Scheduler</a:t>
+            </a:r>
+            <a:endParaRPr lang="en-IN" dirty="0"/>
+          </a:p>
+        </p:txBody>
+      </p:sp>
+      <p:sp>
+        <p:nvSpPr>
+          <p:cNvPr id="3" name="Content Placeholder 2"/>
+          <p:cNvSpPr>
+            <a:spLocks noGrp="1"/>
+          </p:cNvSpPr>
+          <p:nvPr>
+            <p:ph idx="1"/>
+          </p:nvPr>
+        </p:nvSpPr>
+        <p:spPr/>
+        <p:txBody>
+          <a:bodyPr/>
+          <a:lstStyle/>
+          <a:p>
+            <a:r>
+              <a:rPr lang="en-US" dirty="0"/>
+              <a:t>Queue ordered in terms of “virtual run time”</a:t>
+            </a:r>
+          </a:p>
+          <a:p>
+            <a:pPr lvl="1"/>
+            <a:r>
+              <a:rPr lang="en-US" dirty="0"/>
+              <a:t>smallest value picked for using CPU</a:t>
+            </a:r>
+          </a:p>
+          <a:p>
+            <a:pPr lvl="1"/>
+            <a:r>
+              <a:rPr lang="en-US" dirty="0"/>
+              <a:t>small values: tasks have received less time on CPU</a:t>
+            </a:r>
+          </a:p>
+          <a:p>
+            <a:pPr lvl="1"/>
+            <a:r>
+              <a:rPr lang="en-US" dirty="0"/>
+              <a:t>tasks blocked on I/O have smaller values</a:t>
+            </a:r>
+          </a:p>
+          <a:p>
+            <a:pPr lvl="1"/>
+            <a:r>
+              <a:rPr lang="en-US" dirty="0"/>
+              <a:t>execution time on CPU added to value</a:t>
+            </a:r>
+          </a:p>
+          <a:p>
+            <a:pPr lvl="1"/>
+            <a:r>
+              <a:rPr lang="en-US" dirty="0"/>
+              <a:t>priorities cause different decays of values</a:t>
+            </a:r>
+          </a:p>
+          <a:p>
+            <a:r>
+              <a:rPr lang="en-US" dirty="0"/>
+              <a:t>Bottom Line: The smaller a task's virtual runtime, the higher its need for the processor</a:t>
+            </a:r>
+          </a:p>
+          <a:p>
+            <a:endParaRPr lang="en-IN" dirty="0"/>
+          </a:p>
+        </p:txBody>
+      </p:sp>
+      <p:sp>
+        <p:nvSpPr>
+          <p:cNvPr id="4" name="Footer Placeholder 3"/>
+          <p:cNvSpPr>
+            <a:spLocks noGrp="1"/>
+          </p:cNvSpPr>
+          <p:nvPr>
+            <p:ph type="ftr" sz="quarter" idx="11"/>
+          </p:nvPr>
+        </p:nvSpPr>
+        <p:spPr>
+          <a:xfrm>
+            <a:off x="3229791" y="6356349"/>
+            <a:ext cx="5732417" cy="365125"/>
+          </a:xfrm>
+        </p:spPr>
+        <p:txBody>
+          <a:bodyPr/>
+          <a:lstStyle/>
+          <a:p>
+            <a:r>
+              <a:rPr lang="en-US" dirty="0"/>
+              <a:t>Based on “Inside the Linux 2.6 Completely Fair Scheduler”-http://www.ibm.com/developerworks/linux/library/l-completely-fair-scheduler/</a:t>
+            </a:r>
+            <a:endParaRPr lang="en-IN" dirty="0"/>
+          </a:p>
+        </p:txBody>
+      </p:sp>
+      <p:sp>
+        <p:nvSpPr>
+          <p:cNvPr id="5" name="Slide Number Placeholder 4"/>
+          <p:cNvSpPr>
+            <a:spLocks noGrp="1"/>
+          </p:cNvSpPr>
+          <p:nvPr>
+            <p:ph type="sldNum" sz="quarter" idx="12"/>
+          </p:nvPr>
+        </p:nvSpPr>
+        <p:spPr/>
+        <p:txBody>
+          <a:bodyPr/>
+          <a:lstStyle/>
+          <a:p>
+            <a:fld id="{BEE76C32-6E61-40C7-85E1-F37748E51406}" type="slidenum">
+              <a:rPr lang="en-IN" smtClean="0"/>
+              <a:t>16</a:t>
+            </a:fld>
+            <a:endParaRPr lang="en-IN"/>
+          </a:p>
+        </p:txBody>
+      </p:sp>
+    </p:spTree>
+    <p:extLst>
+      <p:ext uri="{BB962C8B-B14F-4D97-AF65-F5344CB8AC3E}">
+        <p14:creationId xmlns:p14="http://schemas.microsoft.com/office/powerpoint/2010/main" val="3120346996"/>
+      </p:ext>
+    </p:extLst>
+  </p:cSld>
+  <p:clrMapOvr>
+    <a:masterClrMapping/>
+  </p:clrMapOvr>
+  <p:timing>
+    <p:tnLst>
+      <p:par>
+        <p:cTn id="1" dur="indefinite" restart="never" nodeType="tmRoot">
+          <p:childTnLst>
+            <p:seq concurrent="1" nextAc="seek">
+              <p:cTn id="2" dur="indefinite" nodeType="mainSeq">
+                <p:childTnLst>
+                  <p:par>
+                    <p:cTn id="3" fill="hold">
+                      <p:stCondLst>
+                        <p:cond delay="indefinite"/>
+                      </p:stCondLst>
+                      <p:childTnLst>
+                        <p:par>
+                          <p:cTn id="4" fill="hold">
+                            <p:stCondLst>
+                              <p:cond delay="0"/>
+                            </p:stCondLst>
+                            <p:childTnLst>
+                              <p:par>
+                                <p:cTn id="5" presetID="1" presetClass="entr" presetSubtype="0" fill="hold" grpId="0" nodeType="clickEffect">
+                                  <p:stCondLst>
+                                    <p:cond delay="0"/>
+                                  </p:stCondLst>
+                                  <p:childTnLst>
+                                    <p:set>
+                                      <p:cBhvr>
+                                        <p:cTn id="6" dur="1" fill="hold">
+                                          <p:stCondLst>
+                                            <p:cond delay="0"/>
+                                          </p:stCondLst>
+                                        </p:cTn>
+                                        <p:tgtEl>
+                                          <p:spTgt spid="3">
+                                            <p:txEl>
+                                              <p:pRg st="0" end="0"/>
+                                            </p:txEl>
+                                          </p:spTgt>
+                                        </p:tgtEl>
+                                        <p:attrNameLst>
+                                          <p:attrName>style.visibility</p:attrName>
+                                        </p:attrNameLst>
+                                      </p:cBhvr>
+                                      <p:to>
+                                        <p:strVal val="visible"/>
+                                      </p:to>
+                                    </p:set>
+                                  </p:childTnLst>
+                                </p:cTn>
+                              </p:par>
+                            </p:childTnLst>
+                          </p:cTn>
+                        </p:par>
+                      </p:childTnLst>
+                    </p:cTn>
+                  </p:par>
+                  <p:par>
+                    <p:cTn id="7" fill="hold">
+                      <p:stCondLst>
+                        <p:cond delay="indefinite"/>
+                      </p:stCondLst>
+                      <p:childTnLst>
+                        <p:par>
+                          <p:cTn id="8" fill="hold">
+                            <p:stCondLst>
+                              <p:cond delay="0"/>
+                            </p:stCondLst>
+                            <p:childTnLst>
+                              <p:par>
+                                <p:cTn id="9" presetID="1" presetClass="entr" presetSubtype="0" fill="hold" grpId="0" nodeType="clickEffect">
+                                  <p:stCondLst>
+                                    <p:cond delay="0"/>
+                                  </p:stCondLst>
+                                  <p:childTnLst>
+                                    <p:set>
+                                      <p:cBhvr>
+                                        <p:cTn id="10" dur="1" fill="hold">
+                                          <p:stCondLst>
+                                            <p:cond delay="0"/>
+                                          </p:stCondLst>
+                                        </p:cTn>
+                                        <p:tgtEl>
+                                          <p:spTgt spid="3">
+                                            <p:txEl>
+                                              <p:pRg st="1" end="1"/>
+                                            </p:txEl>
+                                          </p:spTgt>
+                                        </p:tgtEl>
+                                        <p:attrNameLst>
+                                          <p:attrName>style.visibility</p:attrName>
+                                        </p:attrNameLst>
+                                      </p:cBhvr>
+                                      <p:to>
+                                        <p:strVal val="visible"/>
+                                      </p:to>
+                                    </p:set>
+                                  </p:childTnLst>
+                                </p:cTn>
+                              </p:par>
+                            </p:childTnLst>
+                          </p:cTn>
+                        </p:par>
+                      </p:childTnLst>
+                    </p:cTn>
+                  </p:par>
+                  <p:par>
+                    <p:cTn id="11" fill="hold">
+                      <p:stCondLst>
+                        <p:cond delay="indefinite"/>
+                      </p:stCondLst>
+                      <p:childTnLst>
+                        <p:par>
+                          <p:cTn id="12" fill="hold">
+                            <p:stCondLst>
+                              <p:cond delay="0"/>
+                            </p:stCondLst>
+                            <p:childTnLst>
+                              <p:par>
+                                <p:cTn id="13" presetID="1" presetClass="entr" presetSubtype="0" fill="hold" grpId="0" nodeType="clickEffect">
+                                  <p:stCondLst>
+                                    <p:cond delay="0"/>
+                                  </p:stCondLst>
+                                  <p:childTnLst>
+                                    <p:set>
+                                      <p:cBhvr>
+                                        <p:cTn id="14" dur="1" fill="hold">
+                                          <p:stCondLst>
+                                            <p:cond delay="0"/>
+                                          </p:stCondLst>
+                                        </p:cTn>
+                                        <p:tgtEl>
+                                          <p:spTgt spid="3">
+                                            <p:txEl>
+                                              <p:pRg st="2" end="2"/>
+                                            </p:txEl>
+                                          </p:spTgt>
+                                        </p:tgtEl>
+                                        <p:attrNameLst>
+                                          <p:attrName>style.visibility</p:attrName>
+                                        </p:attrNameLst>
+                                      </p:cBhvr>
+                                      <p:to>
+                                        <p:strVal val="visible"/>
+                                      </p:to>
+                                    </p:set>
+                                  </p:childTnLst>
+                                </p:cTn>
+                              </p:par>
+                            </p:childTnLst>
+                          </p:cTn>
+                        </p:par>
+                      </p:childTnLst>
+                    </p:cTn>
+                  </p:par>
+                  <p:par>
+                    <p:cTn id="15" fill="hold">
+                      <p:stCondLst>
+                        <p:cond delay="indefinite"/>
+                      </p:stCondLst>
+                      <p:childTnLst>
+                        <p:par>
+                          <p:cTn id="16" fill="hold">
+                            <p:stCondLst>
+                              <p:cond delay="0"/>
+                            </p:stCondLst>
+                            <p:childTnLst>
+                              <p:par>
+                                <p:cTn id="17" presetID="1" presetClass="entr" presetSubtype="0" fill="hold" grpId="0" nodeType="clickEffect">
+                                  <p:stCondLst>
+                                    <p:cond delay="0"/>
+                                  </p:stCondLst>
+                                  <p:childTnLst>
+                                    <p:set>
+                                      <p:cBhvr>
+                                        <p:cTn id="18" dur="1" fill="hold">
+                                          <p:stCondLst>
+                                            <p:cond delay="0"/>
+                                          </p:stCondLst>
+                                        </p:cTn>
+                                        <p:tgtEl>
+                                          <p:spTgt spid="3">
+                                            <p:txEl>
+                                              <p:pRg st="3" end="3"/>
+                                            </p:txEl>
+                                          </p:spTgt>
+                                        </p:tgtEl>
+                                        <p:attrNameLst>
+                                          <p:attrName>style.visibility</p:attrName>
+                                        </p:attrNameLst>
+                                      </p:cBhvr>
+                                      <p:to>
+                                        <p:strVal val="visible"/>
+                                      </p:to>
+                                    </p:set>
+                                  </p:childTnLst>
+                                </p:cTn>
+                              </p:par>
+                            </p:childTnLst>
+                          </p:cTn>
+                        </p:par>
+                      </p:childTnLst>
+                    </p:cTn>
+                  </p:par>
+                  <p:par>
+                    <p:cTn id="19" fill="hold">
+                      <p:stCondLst>
+                        <p:cond delay="indefinite"/>
+                      </p:stCondLst>
+                      <p:childTnLst>
+                        <p:par>
+                          <p:cTn id="20" fill="hold">
+                            <p:stCondLst>
+                              <p:cond delay="0"/>
+                            </p:stCondLst>
+                            <p:childTnLst>
+                              <p:par>
+                                <p:cTn id="21" presetID="1" presetClass="entr" presetSubtype="0" fill="hold" grpId="0" nodeType="clickEffect">
+                                  <p:stCondLst>
+                                    <p:cond delay="0"/>
+                                  </p:stCondLst>
+                                  <p:childTnLst>
+                                    <p:set>
+                                      <p:cBhvr>
+                                        <p:cTn id="22" dur="1" fill="hold">
+                                          <p:stCondLst>
+                                            <p:cond delay="0"/>
+                                          </p:stCondLst>
+                                        </p:cTn>
+                                        <p:tgtEl>
+                                          <p:spTgt spid="3">
+                                            <p:txEl>
+                                              <p:pRg st="4" end="4"/>
+                                            </p:txEl>
+                                          </p:spTgt>
+                                        </p:tgtEl>
+                                        <p:attrNameLst>
+                                          <p:attrName>style.visibility</p:attrName>
+                                        </p:attrNameLst>
+                                      </p:cBhvr>
+                                      <p:to>
+                                        <p:strVal val="visible"/>
+                                      </p:to>
+                                    </p:set>
+                                  </p:childTnLst>
+                                </p:cTn>
+                              </p:par>
+                            </p:childTnLst>
+                          </p:cTn>
+                        </p:par>
+                      </p:childTnLst>
+                    </p:cTn>
+                  </p:par>
+                  <p:par>
+                    <p:cTn id="23" fill="hold">
+                      <p:stCondLst>
+                        <p:cond delay="indefinite"/>
+                      </p:stCondLst>
+                      <p:childTnLst>
+                        <p:par>
+                          <p:cTn id="24" fill="hold">
+                            <p:stCondLst>
+                              <p:cond delay="0"/>
+                            </p:stCondLst>
+                            <p:childTnLst>
+                              <p:par>
+                                <p:cTn id="25" presetID="1" presetClass="entr" presetSubtype="0" fill="hold" grpId="0" nodeType="clickEffect">
+                                  <p:stCondLst>
+                                    <p:cond delay="0"/>
+                                  </p:stCondLst>
+                                  <p:childTnLst>
+                                    <p:set>
+                                      <p:cBhvr>
+                                        <p:cTn id="26" dur="1" fill="hold">
+                                          <p:stCondLst>
+                                            <p:cond delay="0"/>
+                                          </p:stCondLst>
+                                        </p:cTn>
+                                        <p:tgtEl>
+                                          <p:spTgt spid="3">
+                                            <p:txEl>
+                                              <p:pRg st="5" end="5"/>
+                                            </p:txEl>
+                                          </p:spTgt>
+                                        </p:tgtEl>
+                                        <p:attrNameLst>
+                                          <p:attrName>style.visibility</p:attrName>
+                                        </p:attrNameLst>
+                                      </p:cBhvr>
+                                      <p:to>
+                                        <p:strVal val="visible"/>
+                                      </p:to>
+                                    </p:set>
+                                  </p:childTnLst>
+                                </p:cTn>
+                              </p:par>
+                            </p:childTnLst>
+                          </p:cTn>
+                        </p:par>
+                      </p:childTnLst>
+                    </p:cTn>
+                  </p:par>
+                  <p:par>
+                    <p:cTn id="27" fill="hold">
+                      <p:stCondLst>
+                        <p:cond delay="indefinite"/>
+                      </p:stCondLst>
+                      <p:childTnLst>
+                        <p:par>
+                          <p:cTn id="28" fill="hold">
+                            <p:stCondLst>
+                              <p:cond delay="0"/>
+                            </p:stCondLst>
+                            <p:childTnLst>
+                              <p:par>
+                                <p:cTn id="29" presetID="1" presetClass="entr" presetSubtype="0" fill="hold" grpId="0" nodeType="clickEffect">
+                                  <p:stCondLst>
+                                    <p:cond delay="0"/>
+                                  </p:stCondLst>
+                                  <p:childTnLst>
+                                    <p:set>
+                                      <p:cBhvr>
+                                        <p:cTn id="30" dur="1" fill="hold">
+                                          <p:stCondLst>
+                                            <p:cond delay="0"/>
+                                          </p:stCondLst>
+                                        </p:cTn>
+                                        <p:tgtEl>
+                                          <p:spTgt spid="3">
+                                            <p:txEl>
+                                              <p:pRg st="6" end="6"/>
+                                            </p:txEl>
+                                          </p:spTgt>
+                                        </p:tgtEl>
+                                        <p:attrNameLst>
+                                          <p:attrName>style.visibility</p:attrName>
+                                        </p:attrNameLst>
+                                      </p:cBhvr>
+                                      <p:to>
+                                        <p:strVal val="visible"/>
+                                      </p:to>
+                                    </p:set>
+                                  </p:childTnLst>
+                                </p:cTn>
+                              </p:par>
+                            </p:childTnLst>
+                          </p:cTn>
+                        </p:par>
+                      </p:childTnLst>
+                    </p:cTn>
+                  </p:par>
+                </p:childTnLst>
+              </p:cTn>
+              <p:prevCondLst>
+                <p:cond evt="onPrev" delay="0">
+                  <p:tgtEl>
+                    <p:sldTgt/>
+                  </p:tgtEl>
+                </p:cond>
+              </p:prevCondLst>
+              <p:nextCondLst>
+                <p:cond evt="onNext" delay="0">
+                  <p:tgtEl>
+                    <p:sldTgt/>
+                  </p:tgtEl>
+                </p:cond>
+              </p:nextCondLst>
+            </p:seq>
+          </p:childTnLst>
+        </p:cTn>
+      </p:par>
+    </p:tnLst>
+    <p:bldLst>
+      <p:bldP spid="3" grpId="0" uiExpand="1" build="p"/>
+    </p:bldLst>
+  </p:timing>
+</p:sld>
+</file>
+
+<file path=ppt/slides/slide17.xml><?xml version="1.0" encoding="utf-8"?>
+<p:sld xmlns:a="http://schemas.openxmlformats.org/drawingml/2006/main" xmlns:r="http://schemas.openxmlformats.org/officeDocument/2006/relationships" xmlns:p="http://schemas.openxmlformats.org/presentationml/2006/main">
+  <p:cSld>
+    <p:spTree>
+      <p:nvGrpSpPr>
+        <p:cNvPr id="1" name=""/>
+        <p:cNvGrpSpPr/>
+        <p:nvPr/>
+      </p:nvGrpSpPr>
+      <p:grpSpPr>
+        <a:xfrm>
+          <a:off x="0" y="0"/>
+          <a:ext cx="0" cy="0"/>
+          <a:chOff x="0" y="0"/>
+          <a:chExt cx="0" cy="0"/>
+        </a:xfrm>
+      </p:grpSpPr>
+      <p:sp>
+        <p:nvSpPr>
+          <p:cNvPr id="2" name="Title 1"/>
+          <p:cNvSpPr>
+            <a:spLocks noGrp="1"/>
+          </p:cNvSpPr>
+          <p:nvPr>
+            <p:ph type="title"/>
+          </p:nvPr>
+        </p:nvSpPr>
+        <p:spPr/>
+        <p:txBody>
+          <a:bodyPr/>
+          <a:lstStyle/>
+          <a:p>
             <a:r>
               <a:rPr lang="en-IN" dirty="0"/>
               <a:t>Example of CFS Tree</a:t>
@@ -14583,7 +14733,7 @@
           <a:p>
             <a:fld id="{BEE76C32-6E61-40C7-85E1-F37748E51406}" type="slidenum">
               <a:rPr lang="en-IN" smtClean="0"/>
-              <a:t>16</a:t>
+              <a:t>17</a:t>
             </a:fld>
             <a:endParaRPr lang="en-IN"/>
           </a:p>
@@ -14806,7 +14956,7 @@
 </p:sld>
 </file>
 
-<file path=ppt/slides/slide17.xml><?xml version="1.0" encoding="utf-8"?>
+<file path=ppt/slides/slide18.xml><?xml version="1.0" encoding="utf-8"?>
 <p:sld xmlns:a="http://schemas.openxmlformats.org/drawingml/2006/main" xmlns:r="http://schemas.openxmlformats.org/officeDocument/2006/relationships" xmlns:p="http://schemas.openxmlformats.org/presentationml/2006/main">
   <p:cSld>
     <p:spTree>
@@ -15139,7 +15289,7 @@
           <a:p>
             <a:fld id="{BEE76C32-6E61-40C7-85E1-F37748E51406}" type="slidenum">
               <a:rPr lang="en-IN" smtClean="0"/>
-              <a:t>17</a:t>
+              <a:t>18</a:t>
             </a:fld>
             <a:endParaRPr lang="en-IN"/>
           </a:p>
@@ -15558,7 +15708,7 @@
 </p:sld>
 </file>
 
-<file path=ppt/slides/slide18.xml><?xml version="1.0" encoding="utf-8"?>
+<file path=ppt/slides/slide19.xml><?xml version="1.0" encoding="utf-8"?>
 <p:sld xmlns:a="http://schemas.openxmlformats.org/drawingml/2006/main" xmlns:r="http://schemas.openxmlformats.org/officeDocument/2006/relationships" xmlns:p="http://schemas.openxmlformats.org/presentationml/2006/main">
   <p:cSld>
     <p:spTree>
@@ -15640,7 +15790,6 @@
               <a:rPr lang="en-IN" dirty="0"/>
               <a:t>https://raminaji.wordpress.com/unibit-tries/</a:t>
             </a:r>
-            <a:endParaRPr lang="en-IN" dirty="0"/>
           </a:p>
         </p:txBody>
       </p:sp>
@@ -15661,7 +15810,7 @@
           <a:p>
             <a:fld id="{BEE76C32-6E61-40C7-85E1-F37748E51406}" type="slidenum">
               <a:rPr lang="en-IN" smtClean="0"/>
-              <a:t>18</a:t>
+              <a:t>19</a:t>
             </a:fld>
             <a:endParaRPr lang="en-IN"/>
           </a:p>
@@ -15680,7 +15829,129 @@
 </p:sld>
 </file>
 
-<file path=ppt/slides/slide19.xml><?xml version="1.0" encoding="utf-8"?>
+<file path=ppt/slides/slide2.xml><?xml version="1.0" encoding="utf-8"?>
+<p:sld xmlns:a="http://schemas.openxmlformats.org/drawingml/2006/main" xmlns:r="http://schemas.openxmlformats.org/officeDocument/2006/relationships" xmlns:p="http://schemas.openxmlformats.org/presentationml/2006/main">
+  <p:cSld>
+    <p:spTree>
+      <p:nvGrpSpPr>
+        <p:cNvPr id="1" name=""/>
+        <p:cNvGrpSpPr/>
+        <p:nvPr/>
+      </p:nvGrpSpPr>
+      <p:grpSpPr>
+        <a:xfrm>
+          <a:off x="0" y="0"/>
+          <a:ext cx="0" cy="0"/>
+          <a:chOff x="0" y="0"/>
+          <a:chExt cx="0" cy="0"/>
+        </a:xfrm>
+      </p:grpSpPr>
+      <p:sp>
+        <p:nvSpPr>
+          <p:cNvPr id="2" name="Title 1"/>
+          <p:cNvSpPr>
+            <a:spLocks noGrp="1"/>
+          </p:cNvSpPr>
+          <p:nvPr>
+            <p:ph type="ctrTitle"/>
+          </p:nvPr>
+        </p:nvSpPr>
+        <p:spPr/>
+        <p:txBody>
+          <a:bodyPr/>
+          <a:lstStyle/>
+          <a:p>
+            <a:r>
+              <a:rPr lang="en-IN" dirty="0"/>
+              <a:t>AVL Tree</a:t>
+            </a:r>
+            <a:endParaRPr lang="en-US" dirty="0"/>
+          </a:p>
+        </p:txBody>
+      </p:sp>
+      <p:sp>
+        <p:nvSpPr>
+          <p:cNvPr id="3" name="Subtitle 2"/>
+          <p:cNvSpPr>
+            <a:spLocks noGrp="1"/>
+          </p:cNvSpPr>
+          <p:nvPr>
+            <p:ph type="subTitle" idx="1"/>
+          </p:nvPr>
+        </p:nvSpPr>
+        <p:spPr/>
+        <p:txBody>
+          <a:bodyPr/>
+          <a:lstStyle/>
+          <a:p>
+            <a:r>
+              <a:rPr lang="en-IN" dirty="0"/>
+              <a:t>Application in Memory Management of Linux</a:t>
+            </a:r>
+            <a:endParaRPr lang="en-US" dirty="0"/>
+          </a:p>
+        </p:txBody>
+      </p:sp>
+      <p:sp>
+        <p:nvSpPr>
+          <p:cNvPr id="6" name="Slide Number Placeholder 5"/>
+          <p:cNvSpPr>
+            <a:spLocks noGrp="1"/>
+          </p:cNvSpPr>
+          <p:nvPr>
+            <p:ph type="sldNum" sz="quarter" idx="12"/>
+          </p:nvPr>
+        </p:nvSpPr>
+        <p:spPr/>
+        <p:txBody>
+          <a:bodyPr/>
+          <a:lstStyle/>
+          <a:p>
+            <a:fld id="{BEE76C32-6E61-40C7-85E1-F37748E51406}" type="slidenum">
+              <a:rPr lang="en-IN" smtClean="0"/>
+              <a:t>2</a:t>
+            </a:fld>
+            <a:endParaRPr lang="en-IN"/>
+          </a:p>
+        </p:txBody>
+      </p:sp>
+      <p:sp>
+        <p:nvSpPr>
+          <p:cNvPr id="7" name="Footer Placeholder 6"/>
+          <p:cNvSpPr>
+            <a:spLocks noGrp="1"/>
+          </p:cNvSpPr>
+          <p:nvPr>
+            <p:ph type="ftr" sz="quarter" idx="11"/>
+          </p:nvPr>
+        </p:nvSpPr>
+        <p:spPr/>
+        <p:txBody>
+          <a:bodyPr/>
+          <a:lstStyle/>
+          <a:p>
+            <a:r>
+              <a:rPr lang="en-US"/>
+              <a:t>Based on Linux Kernel by David Rusling</a:t>
+            </a:r>
+            <a:endParaRPr lang="en-IN"/>
+          </a:p>
+        </p:txBody>
+      </p:sp>
+    </p:spTree>
+    <p:extLst>
+      <p:ext uri="{BB962C8B-B14F-4D97-AF65-F5344CB8AC3E}">
+        <p14:creationId xmlns:p14="http://schemas.microsoft.com/office/powerpoint/2010/main" val="3534961272"/>
+      </p:ext>
+    </p:extLst>
+  </p:cSld>
+  <p:clrMapOvr>
+    <a:masterClrMapping/>
+  </p:clrMapOvr>
+</p:sld>
+</file>
+
+<file path=ppt/slides/slide20.xml><?xml version="1.0" encoding="utf-8"?>
 <p:sld xmlns:a="http://schemas.openxmlformats.org/drawingml/2006/main" xmlns:r="http://schemas.openxmlformats.org/officeDocument/2006/relationships" xmlns:p="http://schemas.openxmlformats.org/presentationml/2006/main">
   <p:cSld>
     <p:spTree>
@@ -15921,377 +16192,7 @@
 </p:sld>
 </file>
 
-<file path=ppt/slides/slide2.xml><?xml version="1.0" encoding="utf-8"?>
-<p:sld xmlns:a="http://schemas.openxmlformats.org/drawingml/2006/main" xmlns:r="http://schemas.openxmlformats.org/officeDocument/2006/relationships" xmlns:p="http://schemas.openxmlformats.org/presentationml/2006/main">
-  <p:cSld>
-    <p:spTree>
-      <p:nvGrpSpPr>
-        <p:cNvPr id="1" name=""/>
-        <p:cNvGrpSpPr/>
-        <p:nvPr/>
-      </p:nvGrpSpPr>
-      <p:grpSpPr>
-        <a:xfrm>
-          <a:off x="0" y="0"/>
-          <a:ext cx="0" cy="0"/>
-          <a:chOff x="0" y="0"/>
-          <a:chExt cx="0" cy="0"/>
-        </a:xfrm>
-      </p:grpSpPr>
-      <p:sp>
-        <p:nvSpPr>
-          <p:cNvPr id="2" name="Title 1"/>
-          <p:cNvSpPr>
-            <a:spLocks noGrp="1"/>
-          </p:cNvSpPr>
-          <p:nvPr>
-            <p:ph type="title"/>
-          </p:nvPr>
-        </p:nvSpPr>
-        <p:spPr/>
-        <p:txBody>
-          <a:bodyPr/>
-          <a:lstStyle/>
-          <a:p>
-            <a:r>
-              <a:rPr lang="en-IN" dirty="0"/>
-              <a:t>Memory Management</a:t>
-            </a:r>
-            <a:endParaRPr lang="en-US" dirty="0"/>
-          </a:p>
-        </p:txBody>
-      </p:sp>
-      <p:sp>
-        <p:nvSpPr>
-          <p:cNvPr id="3" name="Content Placeholder 2"/>
-          <p:cNvSpPr>
-            <a:spLocks noGrp="1"/>
-          </p:cNvSpPr>
-          <p:nvPr>
-            <p:ph idx="1"/>
-          </p:nvPr>
-        </p:nvSpPr>
-        <p:spPr>
-          <a:xfrm>
-            <a:off x="838200" y="1825625"/>
-            <a:ext cx="8384931" cy="4351338"/>
-          </a:xfrm>
-        </p:spPr>
-        <p:txBody>
-          <a:bodyPr/>
-          <a:lstStyle/>
-          <a:p>
-            <a:r>
-              <a:rPr lang="en-IN" dirty="0"/>
-              <a:t>Virtual memory and Physical Memory</a:t>
-            </a:r>
-          </a:p>
-          <a:p>
-            <a:r>
-              <a:rPr lang="en-IN" dirty="0"/>
-              <a:t>Loading an executable image</a:t>
-            </a:r>
-          </a:p>
-          <a:p>
-            <a:r>
-              <a:rPr lang="en-IN" i="1" dirty="0"/>
-              <a:t>Page Fault</a:t>
-            </a:r>
-          </a:p>
-        </p:txBody>
-      </p:sp>
-      <p:pic>
-        <p:nvPicPr>
-          <p:cNvPr id="4" name="table"/>
-          <p:cNvPicPr>
-            <a:picLocks noChangeAspect="1"/>
-          </p:cNvPicPr>
-          <p:nvPr/>
-        </p:nvPicPr>
-        <p:blipFill>
-          <a:blip r:embed="rId3"/>
-          <a:stretch>
-            <a:fillRect/>
-          </a:stretch>
-        </p:blipFill>
-        <p:spPr>
-          <a:xfrm>
-            <a:off x="9682177" y="1263820"/>
-            <a:ext cx="1848555" cy="4913143"/>
-          </a:xfrm>
-          <a:prstGeom prst="rect">
-            <a:avLst/>
-          </a:prstGeom>
-        </p:spPr>
-      </p:pic>
-      <p:sp>
-        <p:nvSpPr>
-          <p:cNvPr id="7" name="Slide Number Placeholder 6"/>
-          <p:cNvSpPr>
-            <a:spLocks noGrp="1"/>
-          </p:cNvSpPr>
-          <p:nvPr>
-            <p:ph type="sldNum" sz="quarter" idx="12"/>
-          </p:nvPr>
-        </p:nvSpPr>
-        <p:spPr/>
-        <p:txBody>
-          <a:bodyPr/>
-          <a:lstStyle/>
-          <a:p>
-            <a:fld id="{BEE76C32-6E61-40C7-85E1-F37748E51406}" type="slidenum">
-              <a:rPr lang="en-IN" smtClean="0"/>
-              <a:t>2</a:t>
-            </a:fld>
-            <a:endParaRPr lang="en-IN"/>
-          </a:p>
-        </p:txBody>
-      </p:sp>
-      <p:sp>
-        <p:nvSpPr>
-          <p:cNvPr id="8" name="Footer Placeholder 7"/>
-          <p:cNvSpPr>
-            <a:spLocks noGrp="1"/>
-          </p:cNvSpPr>
-          <p:nvPr>
-            <p:ph type="ftr" sz="quarter" idx="11"/>
-          </p:nvPr>
-        </p:nvSpPr>
-        <p:spPr/>
-        <p:txBody>
-          <a:bodyPr/>
-          <a:lstStyle/>
-          <a:p>
-            <a:r>
-              <a:rPr lang="en-US" dirty="0"/>
-              <a:t>Based on Linux Kernel by David </a:t>
-            </a:r>
-            <a:r>
-              <a:rPr lang="en-US" dirty="0" err="1"/>
-              <a:t>Rusling</a:t>
-            </a:r>
-            <a:endParaRPr lang="en-IN" dirty="0"/>
-          </a:p>
-        </p:txBody>
-      </p:sp>
-    </p:spTree>
-    <p:extLst>
-      <p:ext uri="{BB962C8B-B14F-4D97-AF65-F5344CB8AC3E}">
-        <p14:creationId xmlns:p14="http://schemas.microsoft.com/office/powerpoint/2010/main" val="2087412872"/>
-      </p:ext>
-    </p:extLst>
-  </p:cSld>
-  <p:clrMapOvr>
-    <a:masterClrMapping/>
-  </p:clrMapOvr>
-  <p:timing>
-    <p:tnLst>
-      <p:par>
-        <p:cTn id="1" dur="indefinite" restart="never" nodeType="tmRoot">
-          <p:childTnLst>
-            <p:seq concurrent="1" nextAc="seek">
-              <p:cTn id="2" dur="indefinite" nodeType="mainSeq">
-                <p:childTnLst>
-                  <p:par>
-                    <p:cTn id="3" fill="hold">
-                      <p:stCondLst>
-                        <p:cond delay="indefinite"/>
-                      </p:stCondLst>
-                      <p:childTnLst>
-                        <p:par>
-                          <p:cTn id="4" fill="hold">
-                            <p:stCondLst>
-                              <p:cond delay="0"/>
-                            </p:stCondLst>
-                            <p:childTnLst>
-                              <p:par>
-                                <p:cTn id="5" presetID="1" presetClass="entr" presetSubtype="0" fill="hold" nodeType="clickEffect">
-                                  <p:stCondLst>
-                                    <p:cond delay="0"/>
-                                  </p:stCondLst>
-                                  <p:childTnLst>
-                                    <p:set>
-                                      <p:cBhvr>
-                                        <p:cTn id="6" dur="1" fill="hold">
-                                          <p:stCondLst>
-                                            <p:cond delay="0"/>
-                                          </p:stCondLst>
-                                        </p:cTn>
-                                        <p:tgtEl>
-                                          <p:spTgt spid="3">
-                                            <p:txEl>
-                                              <p:pRg st="0" end="0"/>
-                                            </p:txEl>
-                                          </p:spTgt>
-                                        </p:tgtEl>
-                                        <p:attrNameLst>
-                                          <p:attrName>style.visibility</p:attrName>
-                                        </p:attrNameLst>
-                                      </p:cBhvr>
-                                      <p:to>
-                                        <p:strVal val="visible"/>
-                                      </p:to>
-                                    </p:set>
-                                  </p:childTnLst>
-                                </p:cTn>
-                              </p:par>
-                            </p:childTnLst>
-                          </p:cTn>
-                        </p:par>
-                      </p:childTnLst>
-                    </p:cTn>
-                  </p:par>
-                  <p:par>
-                    <p:cTn id="7" fill="hold">
-                      <p:stCondLst>
-                        <p:cond delay="indefinite"/>
-                      </p:stCondLst>
-                      <p:childTnLst>
-                        <p:par>
-                          <p:cTn id="8" fill="hold">
-                            <p:stCondLst>
-                              <p:cond delay="0"/>
-                            </p:stCondLst>
-                            <p:childTnLst>
-                              <p:par>
-                                <p:cTn id="9" presetID="1" presetClass="entr" presetSubtype="0" fill="hold" nodeType="clickEffect">
-                                  <p:stCondLst>
-                                    <p:cond delay="0"/>
-                                  </p:stCondLst>
-                                  <p:childTnLst>
-                                    <p:set>
-                                      <p:cBhvr>
-                                        <p:cTn id="10" dur="1" fill="hold">
-                                          <p:stCondLst>
-                                            <p:cond delay="0"/>
-                                          </p:stCondLst>
-                                        </p:cTn>
-                                        <p:tgtEl>
-                                          <p:spTgt spid="3">
-                                            <p:txEl>
-                                              <p:pRg st="1" end="1"/>
-                                            </p:txEl>
-                                          </p:spTgt>
-                                        </p:tgtEl>
-                                        <p:attrNameLst>
-                                          <p:attrName>style.visibility</p:attrName>
-                                        </p:attrNameLst>
-                                      </p:cBhvr>
-                                      <p:to>
-                                        <p:strVal val="visible"/>
-                                      </p:to>
-                                    </p:set>
-                                  </p:childTnLst>
-                                </p:cTn>
-                              </p:par>
-                              <p:par>
-                                <p:cTn id="11" presetID="1" presetClass="entr" presetSubtype="0" fill="hold" nodeType="withEffect">
-                                  <p:stCondLst>
-                                    <p:cond delay="0"/>
-                                  </p:stCondLst>
-                                  <p:childTnLst>
-                                    <p:set>
-                                      <p:cBhvr>
-                                        <p:cTn id="12" dur="1" fill="hold">
-                                          <p:stCondLst>
-                                            <p:cond delay="0"/>
-                                          </p:stCondLst>
-                                        </p:cTn>
-                                        <p:tgtEl>
-                                          <p:spTgt spid="4"/>
-                                        </p:tgtEl>
-                                        <p:attrNameLst>
-                                          <p:attrName>style.visibility</p:attrName>
-                                        </p:attrNameLst>
-                                      </p:cBhvr>
-                                      <p:to>
-                                        <p:strVal val="visible"/>
-                                      </p:to>
-                                    </p:set>
-                                  </p:childTnLst>
-                                </p:cTn>
-                              </p:par>
-                            </p:childTnLst>
-                          </p:cTn>
-                        </p:par>
-                      </p:childTnLst>
-                    </p:cTn>
-                  </p:par>
-                  <p:par>
-                    <p:cTn id="13" fill="hold">
-                      <p:stCondLst>
-                        <p:cond delay="indefinite"/>
-                      </p:stCondLst>
-                      <p:childTnLst>
-                        <p:par>
-                          <p:cTn id="14" fill="hold">
-                            <p:stCondLst>
-                              <p:cond delay="0"/>
-                            </p:stCondLst>
-                            <p:childTnLst>
-                              <p:par>
-                                <p:cTn id="15" presetID="1" presetClass="entr" presetSubtype="0" fill="hold" nodeType="clickEffect">
-                                  <p:stCondLst>
-                                    <p:cond delay="0"/>
-                                  </p:stCondLst>
-                                  <p:childTnLst>
-                                    <p:set>
-                                      <p:cBhvr>
-                                        <p:cTn id="16" dur="1" fill="hold">
-                                          <p:stCondLst>
-                                            <p:cond delay="0"/>
-                                          </p:stCondLst>
-                                        </p:cTn>
-                                        <p:tgtEl>
-                                          <p:spTgt spid="3">
-                                            <p:txEl>
-                                              <p:pRg st="2" end="2"/>
-                                            </p:txEl>
-                                          </p:spTgt>
-                                        </p:tgtEl>
-                                        <p:attrNameLst>
-                                          <p:attrName>style.visibility</p:attrName>
-                                        </p:attrNameLst>
-                                      </p:cBhvr>
-                                      <p:to>
-                                        <p:strVal val="visible"/>
-                                      </p:to>
-                                    </p:set>
-                                  </p:childTnLst>
-                                </p:cTn>
-                              </p:par>
-                            </p:childTnLst>
-                          </p:cTn>
-                        </p:par>
-                      </p:childTnLst>
-                    </p:cTn>
-                  </p:par>
-                </p:childTnLst>
-              </p:cTn>
-              <p:prevCondLst>
-                <p:cond evt="onPrev" delay="0">
-                  <p:tgtEl>
-                    <p:sldTgt/>
-                  </p:tgtEl>
-                </p:cond>
-              </p:prevCondLst>
-              <p:nextCondLst>
-                <p:cond evt="onNext" delay="0">
-                  <p:tgtEl>
-                    <p:sldTgt/>
-                  </p:tgtEl>
-                </p:cond>
-              </p:nextCondLst>
-            </p:seq>
-          </p:childTnLst>
-        </p:cTn>
-      </p:par>
-    </p:tnLst>
-  </p:timing>
-</p:sld>
-</file>
-
-<file path=ppt/slides/slide20.xml><?xml version="1.0" encoding="utf-8"?>
+<file path=ppt/slides/slide21.xml><?xml version="1.0" encoding="utf-8"?>
 <p:sld xmlns:a="http://schemas.openxmlformats.org/drawingml/2006/main" xmlns:r="http://schemas.openxmlformats.org/officeDocument/2006/relationships" xmlns:p="http://schemas.openxmlformats.org/presentationml/2006/main">
   <p:cSld>
     <p:spTree>
@@ -16346,7 +16247,7 @@
 </p:sld>
 </file>
 
-<file path=ppt/slides/slide21.xml><?xml version="1.0" encoding="utf-8"?>
+<file path=ppt/slides/slide22.xml><?xml version="1.0" encoding="utf-8"?>
 <p:sld xmlns:a="http://schemas.openxmlformats.org/drawingml/2006/main" xmlns:r="http://schemas.openxmlformats.org/officeDocument/2006/relationships" xmlns:p="http://schemas.openxmlformats.org/presentationml/2006/main">
   <p:cSld>
     <p:spTree>
@@ -16445,7 +16346,7 @@
           <a:p>
             <a:fld id="{BEE76C32-6E61-40C7-85E1-F37748E51406}" type="slidenum">
               <a:rPr lang="en-IN" smtClean="0"/>
-              <a:t>21</a:t>
+              <a:t>22</a:t>
             </a:fld>
             <a:endParaRPr lang="en-IN"/>
           </a:p>
@@ -16464,7 +16365,7 @@
 </p:sld>
 </file>
 
-<file path=ppt/slides/slide22.xml><?xml version="1.0" encoding="utf-8"?>
+<file path=ppt/slides/slide23.xml><?xml version="1.0" encoding="utf-8"?>
 <p:sld xmlns:a="http://schemas.openxmlformats.org/drawingml/2006/main" xmlns:r="http://schemas.openxmlformats.org/officeDocument/2006/relationships" xmlns:p="http://schemas.openxmlformats.org/presentationml/2006/main">
   <p:cSld>
     <p:spTree>
@@ -17041,7 +16942,7 @@
 </p:sld>
 </file>
 
-<file path=ppt/slides/slide23.xml><?xml version="1.0" encoding="utf-8"?>
+<file path=ppt/slides/slide24.xml><?xml version="1.0" encoding="utf-8"?>
 <p:sld xmlns:a="http://schemas.openxmlformats.org/drawingml/2006/main" xmlns:r="http://schemas.openxmlformats.org/officeDocument/2006/relationships" xmlns:p="http://schemas.openxmlformats.org/presentationml/2006/main">
   <p:cSld>
     <p:spTree>
@@ -17145,9 +17046,7 @@
           <p:cNvGraphicFramePr>
             <a:graphicFrameLocks noGrp="1"/>
           </p:cNvGraphicFramePr>
-          <p:nvPr>
-            <p:extLst/>
-          </p:nvPr>
+          <p:nvPr/>
         </p:nvGraphicFramePr>
         <p:xfrm>
           <a:off x="3563815" y="2431963"/>
@@ -17315,9 +17214,7 @@
           <p:cNvGraphicFramePr>
             <a:graphicFrameLocks noGrp="1"/>
           </p:cNvGraphicFramePr>
-          <p:nvPr>
-            <p:extLst/>
-          </p:nvPr>
+          <p:nvPr/>
         </p:nvGraphicFramePr>
         <p:xfrm>
           <a:off x="3563815" y="2944711"/>
@@ -17388,9 +17285,7 @@
           <p:cNvGraphicFramePr>
             <a:graphicFrameLocks noGrp="1"/>
           </p:cNvGraphicFramePr>
-          <p:nvPr>
-            <p:extLst/>
-          </p:nvPr>
+          <p:nvPr/>
         </p:nvGraphicFramePr>
         <p:xfrm>
           <a:off x="3563815" y="3961660"/>
@@ -17461,9 +17356,7 @@
           <p:cNvGraphicFramePr>
             <a:graphicFrameLocks noGrp="1"/>
           </p:cNvGraphicFramePr>
-          <p:nvPr>
-            <p:extLst/>
-          </p:nvPr>
+          <p:nvPr/>
         </p:nvGraphicFramePr>
         <p:xfrm>
           <a:off x="3563815" y="4457316"/>
@@ -18247,7 +18140,7 @@
 </p:sld>
 </file>
 
-<file path=ppt/slides/slide24.xml><?xml version="1.0" encoding="utf-8"?>
+<file path=ppt/slides/slide25.xml><?xml version="1.0" encoding="utf-8"?>
 <p:sld xmlns:a="http://schemas.openxmlformats.org/drawingml/2006/main" xmlns:r="http://schemas.openxmlformats.org/officeDocument/2006/relationships" xmlns:p="http://schemas.openxmlformats.org/presentationml/2006/main">
   <p:cSld>
     <p:spTree>
@@ -18346,7 +18239,7 @@
           <a:p>
             <a:fld id="{BEE76C32-6E61-40C7-85E1-F37748E51406}" type="slidenum">
               <a:rPr lang="en-IN" smtClean="0"/>
-              <a:t>24</a:t>
+              <a:t>25</a:t>
             </a:fld>
             <a:endParaRPr lang="en-IN"/>
           </a:p>
@@ -18365,7 +18258,7 @@
 </p:sld>
 </file>
 
-<file path=ppt/slides/slide25.xml><?xml version="1.0" encoding="utf-8"?>
+<file path=ppt/slides/slide26.xml><?xml version="1.0" encoding="utf-8"?>
 <p:sld xmlns:a="http://schemas.openxmlformats.org/drawingml/2006/main" xmlns:r="http://schemas.openxmlformats.org/officeDocument/2006/relationships" xmlns:p="http://schemas.openxmlformats.org/presentationml/2006/main">
   <p:cSld>
     <p:spTree>
@@ -18578,7 +18471,7 @@
 </p:sld>
 </file>
 
-<file path=ppt/slides/slide26.xml><?xml version="1.0" encoding="utf-8"?>
+<file path=ppt/slides/slide27.xml><?xml version="1.0" encoding="utf-8"?>
 <p:sld xmlns:a="http://schemas.openxmlformats.org/drawingml/2006/main" xmlns:r="http://schemas.openxmlformats.org/officeDocument/2006/relationships" xmlns:p="http://schemas.openxmlformats.org/presentationml/2006/main">
   <p:cSld>
     <p:spTree>
@@ -19058,6 +18951,376 @@
           <a:p>
             <a:r>
               <a:rPr lang="en-IN" dirty="0"/>
+              <a:t>Memory Management</a:t>
+            </a:r>
+            <a:endParaRPr lang="en-US" dirty="0"/>
+          </a:p>
+        </p:txBody>
+      </p:sp>
+      <p:sp>
+        <p:nvSpPr>
+          <p:cNvPr id="3" name="Content Placeholder 2"/>
+          <p:cNvSpPr>
+            <a:spLocks noGrp="1"/>
+          </p:cNvSpPr>
+          <p:nvPr>
+            <p:ph idx="1"/>
+          </p:nvPr>
+        </p:nvSpPr>
+        <p:spPr>
+          <a:xfrm>
+            <a:off x="838200" y="1825625"/>
+            <a:ext cx="8384931" cy="4351338"/>
+          </a:xfrm>
+        </p:spPr>
+        <p:txBody>
+          <a:bodyPr/>
+          <a:lstStyle/>
+          <a:p>
+            <a:r>
+              <a:rPr lang="en-IN" dirty="0"/>
+              <a:t>Virtual memory and Physical Memory</a:t>
+            </a:r>
+          </a:p>
+          <a:p>
+            <a:r>
+              <a:rPr lang="en-IN" dirty="0"/>
+              <a:t>Loading an executable image</a:t>
+            </a:r>
+          </a:p>
+          <a:p>
+            <a:r>
+              <a:rPr lang="en-IN" i="1" dirty="0"/>
+              <a:t>Page Fault</a:t>
+            </a:r>
+          </a:p>
+        </p:txBody>
+      </p:sp>
+      <p:pic>
+        <p:nvPicPr>
+          <p:cNvPr id="4" name="table"/>
+          <p:cNvPicPr>
+            <a:picLocks noChangeAspect="1"/>
+          </p:cNvPicPr>
+          <p:nvPr/>
+        </p:nvPicPr>
+        <p:blipFill>
+          <a:blip r:embed="rId3"/>
+          <a:stretch>
+            <a:fillRect/>
+          </a:stretch>
+        </p:blipFill>
+        <p:spPr>
+          <a:xfrm>
+            <a:off x="9682177" y="1263820"/>
+            <a:ext cx="1848555" cy="4913143"/>
+          </a:xfrm>
+          <a:prstGeom prst="rect">
+            <a:avLst/>
+          </a:prstGeom>
+        </p:spPr>
+      </p:pic>
+      <p:sp>
+        <p:nvSpPr>
+          <p:cNvPr id="7" name="Slide Number Placeholder 6"/>
+          <p:cNvSpPr>
+            <a:spLocks noGrp="1"/>
+          </p:cNvSpPr>
+          <p:nvPr>
+            <p:ph type="sldNum" sz="quarter" idx="12"/>
+          </p:nvPr>
+        </p:nvSpPr>
+        <p:spPr/>
+        <p:txBody>
+          <a:bodyPr/>
+          <a:lstStyle/>
+          <a:p>
+            <a:fld id="{BEE76C32-6E61-40C7-85E1-F37748E51406}" type="slidenum">
+              <a:rPr lang="en-IN" smtClean="0"/>
+              <a:t>3</a:t>
+            </a:fld>
+            <a:endParaRPr lang="en-IN"/>
+          </a:p>
+        </p:txBody>
+      </p:sp>
+      <p:sp>
+        <p:nvSpPr>
+          <p:cNvPr id="8" name="Footer Placeholder 7"/>
+          <p:cNvSpPr>
+            <a:spLocks noGrp="1"/>
+          </p:cNvSpPr>
+          <p:nvPr>
+            <p:ph type="ftr" sz="quarter" idx="11"/>
+          </p:nvPr>
+        </p:nvSpPr>
+        <p:spPr/>
+        <p:txBody>
+          <a:bodyPr/>
+          <a:lstStyle/>
+          <a:p>
+            <a:r>
+              <a:rPr lang="en-US" dirty="0"/>
+              <a:t>Based on Linux Kernel by David </a:t>
+            </a:r>
+            <a:r>
+              <a:rPr lang="en-US" dirty="0" err="1"/>
+              <a:t>Rusling</a:t>
+            </a:r>
+            <a:endParaRPr lang="en-IN" dirty="0"/>
+          </a:p>
+        </p:txBody>
+      </p:sp>
+    </p:spTree>
+    <p:extLst>
+      <p:ext uri="{BB962C8B-B14F-4D97-AF65-F5344CB8AC3E}">
+        <p14:creationId xmlns:p14="http://schemas.microsoft.com/office/powerpoint/2010/main" val="2087412872"/>
+      </p:ext>
+    </p:extLst>
+  </p:cSld>
+  <p:clrMapOvr>
+    <a:masterClrMapping/>
+  </p:clrMapOvr>
+  <p:timing>
+    <p:tnLst>
+      <p:par>
+        <p:cTn id="1" dur="indefinite" restart="never" nodeType="tmRoot">
+          <p:childTnLst>
+            <p:seq concurrent="1" nextAc="seek">
+              <p:cTn id="2" dur="indefinite" nodeType="mainSeq">
+                <p:childTnLst>
+                  <p:par>
+                    <p:cTn id="3" fill="hold">
+                      <p:stCondLst>
+                        <p:cond delay="indefinite"/>
+                      </p:stCondLst>
+                      <p:childTnLst>
+                        <p:par>
+                          <p:cTn id="4" fill="hold">
+                            <p:stCondLst>
+                              <p:cond delay="0"/>
+                            </p:stCondLst>
+                            <p:childTnLst>
+                              <p:par>
+                                <p:cTn id="5" presetID="1" presetClass="entr" presetSubtype="0" fill="hold" nodeType="clickEffect">
+                                  <p:stCondLst>
+                                    <p:cond delay="0"/>
+                                  </p:stCondLst>
+                                  <p:childTnLst>
+                                    <p:set>
+                                      <p:cBhvr>
+                                        <p:cTn id="6" dur="1" fill="hold">
+                                          <p:stCondLst>
+                                            <p:cond delay="0"/>
+                                          </p:stCondLst>
+                                        </p:cTn>
+                                        <p:tgtEl>
+                                          <p:spTgt spid="3">
+                                            <p:txEl>
+                                              <p:pRg st="0" end="0"/>
+                                            </p:txEl>
+                                          </p:spTgt>
+                                        </p:tgtEl>
+                                        <p:attrNameLst>
+                                          <p:attrName>style.visibility</p:attrName>
+                                        </p:attrNameLst>
+                                      </p:cBhvr>
+                                      <p:to>
+                                        <p:strVal val="visible"/>
+                                      </p:to>
+                                    </p:set>
+                                  </p:childTnLst>
+                                </p:cTn>
+                              </p:par>
+                            </p:childTnLst>
+                          </p:cTn>
+                        </p:par>
+                      </p:childTnLst>
+                    </p:cTn>
+                  </p:par>
+                  <p:par>
+                    <p:cTn id="7" fill="hold">
+                      <p:stCondLst>
+                        <p:cond delay="indefinite"/>
+                      </p:stCondLst>
+                      <p:childTnLst>
+                        <p:par>
+                          <p:cTn id="8" fill="hold">
+                            <p:stCondLst>
+                              <p:cond delay="0"/>
+                            </p:stCondLst>
+                            <p:childTnLst>
+                              <p:par>
+                                <p:cTn id="9" presetID="1" presetClass="entr" presetSubtype="0" fill="hold" nodeType="clickEffect">
+                                  <p:stCondLst>
+                                    <p:cond delay="0"/>
+                                  </p:stCondLst>
+                                  <p:childTnLst>
+                                    <p:set>
+                                      <p:cBhvr>
+                                        <p:cTn id="10" dur="1" fill="hold">
+                                          <p:stCondLst>
+                                            <p:cond delay="0"/>
+                                          </p:stCondLst>
+                                        </p:cTn>
+                                        <p:tgtEl>
+                                          <p:spTgt spid="3">
+                                            <p:txEl>
+                                              <p:pRg st="1" end="1"/>
+                                            </p:txEl>
+                                          </p:spTgt>
+                                        </p:tgtEl>
+                                        <p:attrNameLst>
+                                          <p:attrName>style.visibility</p:attrName>
+                                        </p:attrNameLst>
+                                      </p:cBhvr>
+                                      <p:to>
+                                        <p:strVal val="visible"/>
+                                      </p:to>
+                                    </p:set>
+                                  </p:childTnLst>
+                                </p:cTn>
+                              </p:par>
+                              <p:par>
+                                <p:cTn id="11" presetID="1" presetClass="entr" presetSubtype="0" fill="hold" nodeType="withEffect">
+                                  <p:stCondLst>
+                                    <p:cond delay="0"/>
+                                  </p:stCondLst>
+                                  <p:childTnLst>
+                                    <p:set>
+                                      <p:cBhvr>
+                                        <p:cTn id="12" dur="1" fill="hold">
+                                          <p:stCondLst>
+                                            <p:cond delay="0"/>
+                                          </p:stCondLst>
+                                        </p:cTn>
+                                        <p:tgtEl>
+                                          <p:spTgt spid="4"/>
+                                        </p:tgtEl>
+                                        <p:attrNameLst>
+                                          <p:attrName>style.visibility</p:attrName>
+                                        </p:attrNameLst>
+                                      </p:cBhvr>
+                                      <p:to>
+                                        <p:strVal val="visible"/>
+                                      </p:to>
+                                    </p:set>
+                                  </p:childTnLst>
+                                </p:cTn>
+                              </p:par>
+                            </p:childTnLst>
+                          </p:cTn>
+                        </p:par>
+                      </p:childTnLst>
+                    </p:cTn>
+                  </p:par>
+                  <p:par>
+                    <p:cTn id="13" fill="hold">
+                      <p:stCondLst>
+                        <p:cond delay="indefinite"/>
+                      </p:stCondLst>
+                      <p:childTnLst>
+                        <p:par>
+                          <p:cTn id="14" fill="hold">
+                            <p:stCondLst>
+                              <p:cond delay="0"/>
+                            </p:stCondLst>
+                            <p:childTnLst>
+                              <p:par>
+                                <p:cTn id="15" presetID="1" presetClass="entr" presetSubtype="0" fill="hold" nodeType="clickEffect">
+                                  <p:stCondLst>
+                                    <p:cond delay="0"/>
+                                  </p:stCondLst>
+                                  <p:childTnLst>
+                                    <p:set>
+                                      <p:cBhvr>
+                                        <p:cTn id="16" dur="1" fill="hold">
+                                          <p:stCondLst>
+                                            <p:cond delay="0"/>
+                                          </p:stCondLst>
+                                        </p:cTn>
+                                        <p:tgtEl>
+                                          <p:spTgt spid="3">
+                                            <p:txEl>
+                                              <p:pRg st="2" end="2"/>
+                                            </p:txEl>
+                                          </p:spTgt>
+                                        </p:tgtEl>
+                                        <p:attrNameLst>
+                                          <p:attrName>style.visibility</p:attrName>
+                                        </p:attrNameLst>
+                                      </p:cBhvr>
+                                      <p:to>
+                                        <p:strVal val="visible"/>
+                                      </p:to>
+                                    </p:set>
+                                  </p:childTnLst>
+                                </p:cTn>
+                              </p:par>
+                            </p:childTnLst>
+                          </p:cTn>
+                        </p:par>
+                      </p:childTnLst>
+                    </p:cTn>
+                  </p:par>
+                </p:childTnLst>
+              </p:cTn>
+              <p:prevCondLst>
+                <p:cond evt="onPrev" delay="0">
+                  <p:tgtEl>
+                    <p:sldTgt/>
+                  </p:tgtEl>
+                </p:cond>
+              </p:prevCondLst>
+              <p:nextCondLst>
+                <p:cond evt="onNext" delay="0">
+                  <p:tgtEl>
+                    <p:sldTgt/>
+                  </p:tgtEl>
+                </p:cond>
+              </p:nextCondLst>
+            </p:seq>
+          </p:childTnLst>
+        </p:cTn>
+      </p:par>
+    </p:tnLst>
+  </p:timing>
+</p:sld>
+</file>
+
+<file path=ppt/slides/slide4.xml><?xml version="1.0" encoding="utf-8"?>
+<p:sld xmlns:a="http://schemas.openxmlformats.org/drawingml/2006/main" xmlns:r="http://schemas.openxmlformats.org/officeDocument/2006/relationships" xmlns:p="http://schemas.openxmlformats.org/presentationml/2006/main">
+  <p:cSld>
+    <p:spTree>
+      <p:nvGrpSpPr>
+        <p:cNvPr id="1" name=""/>
+        <p:cNvGrpSpPr/>
+        <p:nvPr/>
+      </p:nvGrpSpPr>
+      <p:grpSpPr>
+        <a:xfrm>
+          <a:off x="0" y="0"/>
+          <a:ext cx="0" cy="0"/>
+          <a:chOff x="0" y="0"/>
+          <a:chExt cx="0" cy="0"/>
+        </a:xfrm>
+      </p:grpSpPr>
+      <p:sp>
+        <p:nvSpPr>
+          <p:cNvPr id="2" name="Title 1"/>
+          <p:cNvSpPr>
+            <a:spLocks noGrp="1"/>
+          </p:cNvSpPr>
+          <p:nvPr>
+            <p:ph type="title"/>
+          </p:nvPr>
+        </p:nvSpPr>
+        <p:spPr/>
+        <p:txBody>
+          <a:bodyPr/>
+          <a:lstStyle/>
+          <a:p>
+            <a:r>
+              <a:rPr lang="en-IN" dirty="0"/>
               <a:t>Handling Page Fault</a:t>
             </a:r>
             <a:endParaRPr lang="en-US" dirty="0"/>
@@ -19109,7 +19372,7 @@
           <a:p>
             <a:fld id="{BEE76C32-6E61-40C7-85E1-F37748E51406}" type="slidenum">
               <a:rPr lang="en-IN" smtClean="0"/>
-              <a:t>3</a:t>
+              <a:t>4</a:t>
             </a:fld>
             <a:endParaRPr lang="en-IN"/>
           </a:p>
@@ -19279,7 +19542,7 @@
 </p:sld>
 </file>
 
-<file path=ppt/slides/slide4.xml><?xml version="1.0" encoding="utf-8"?>
+<file path=ppt/slides/slide5.xml><?xml version="1.0" encoding="utf-8"?>
 <p:sld xmlns:a="http://schemas.openxmlformats.org/drawingml/2006/main" xmlns:r="http://schemas.openxmlformats.org/officeDocument/2006/relationships" xmlns:p="http://schemas.openxmlformats.org/presentationml/2006/main">
   <p:cSld>
     <p:spTree>
@@ -19313,7 +19576,7 @@
           <a:p>
             <a:fld id="{BEE76C32-6E61-40C7-85E1-F37748E51406}" type="slidenum">
               <a:rPr lang="en-IN" smtClean="0"/>
-              <a:t>4</a:t>
+              <a:t>5</a:t>
             </a:fld>
             <a:endParaRPr lang="en-IN"/>
           </a:p>
@@ -19646,7 +19909,7 @@
 </p:sld>
 </file>
 
-<file path=ppt/slides/slide5.xml><?xml version="1.0" encoding="utf-8"?>
+<file path=ppt/slides/slide6.xml><?xml version="1.0" encoding="utf-8"?>
 <p:sld xmlns:a="http://schemas.openxmlformats.org/drawingml/2006/main" xmlns:r="http://schemas.openxmlformats.org/officeDocument/2006/relationships" xmlns:p="http://schemas.openxmlformats.org/presentationml/2006/main">
   <p:cSld>
     <p:spTree>
@@ -19726,7 +19989,7 @@
           <a:p>
             <a:fld id="{BEE76C32-6E61-40C7-85E1-F37748E51406}" type="slidenum">
               <a:rPr lang="en-IN" smtClean="0"/>
-              <a:t>5</a:t>
+              <a:t>6</a:t>
             </a:fld>
             <a:endParaRPr lang="en-IN"/>
           </a:p>
@@ -19768,7 +20031,7 @@
 </p:sld>
 </file>
 
-<file path=ppt/slides/slide6.xml><?xml version="1.0" encoding="utf-8"?>
+<file path=ppt/slides/slide7.xml><?xml version="1.0" encoding="utf-8"?>
 <p:sld xmlns:a="http://schemas.openxmlformats.org/drawingml/2006/main" xmlns:r="http://schemas.openxmlformats.org/officeDocument/2006/relationships" xmlns:p="http://schemas.openxmlformats.org/presentationml/2006/main">
   <p:cSld>
     <p:spTree>
@@ -19860,7 +20123,7 @@
           <a:p>
             <a:fld id="{BEE76C32-6E61-40C7-85E1-F37748E51406}" type="slidenum">
               <a:rPr lang="en-IN" smtClean="0"/>
-              <a:t>6</a:t>
+              <a:t>7</a:t>
             </a:fld>
             <a:endParaRPr lang="en-IN"/>
           </a:p>
@@ -20079,7 +20342,7 @@
 </p:sld>
 </file>
 
-<file path=ppt/slides/slide7.xml><?xml version="1.0" encoding="utf-8"?>
+<file path=ppt/slides/slide8.xml><?xml version="1.0" encoding="utf-8"?>
 <p:sld xmlns:a="http://schemas.openxmlformats.org/drawingml/2006/main" xmlns:r="http://schemas.openxmlformats.org/officeDocument/2006/relationships" xmlns:p="http://schemas.openxmlformats.org/presentationml/2006/main">
   <p:cSld>
     <p:spTree>
@@ -20096,8 +20359,8 @@
           <a:chExt cx="0" cy="0"/>
         </a:xfrm>
       </p:grpSpPr>
-      <mc:AlternateContent xmlns:mc="http://schemas.openxmlformats.org/markup-compatibility/2006">
-        <mc:Choice xmlns:a14="http://schemas.microsoft.com/office/drawing/2010/main" Requires="a14">
+      <mc:AlternateContent xmlns:mc="http://schemas.openxmlformats.org/markup-compatibility/2006" xmlns:a14="http://schemas.microsoft.com/office/drawing/2010/main">
+        <mc:Choice Requires="a14">
           <p:sp>
             <p:nvSpPr>
               <p:cNvPr id="7" name="Rectangle 6"/>
@@ -20414,7 +20677,7 @@
             </p:txBody>
           </p:sp>
         </mc:Choice>
-        <mc:Fallback>
+        <mc:Fallback xmlns="">
           <p:sp>
             <p:nvSpPr>
               <p:cNvPr id="7" name="Rectangle 6"/>
@@ -20493,7 +20756,7 @@
           <a:p>
             <a:fld id="{BEE76C32-6E61-40C7-85E1-F37748E51406}" type="slidenum">
               <a:rPr lang="en-IN" smtClean="0"/>
-              <a:t>7</a:t>
+              <a:t>8</a:t>
             </a:fld>
             <a:endParaRPr lang="en-IN"/>
           </a:p>
@@ -20512,7 +20775,7 @@
 </p:sld>
 </file>
 
-<file path=ppt/slides/slide8.xml><?xml version="1.0" encoding="utf-8"?>
+<file path=ppt/slides/slide9.xml><?xml version="1.0" encoding="utf-8"?>
 <p:sld xmlns:a="http://schemas.openxmlformats.org/drawingml/2006/main" xmlns:r="http://schemas.openxmlformats.org/officeDocument/2006/relationships" xmlns:p="http://schemas.openxmlformats.org/presentationml/2006/main">
   <p:cSld>
     <p:spTree>
@@ -20587,7 +20850,7 @@
           <a:p>
             <a:fld id="{BEE76C32-6E61-40C7-85E1-F37748E51406}" type="slidenum">
               <a:rPr lang="en-IN" smtClean="0"/>
-              <a:t>8</a:t>
+              <a:t>9</a:t>
             </a:fld>
             <a:endParaRPr lang="en-IN"/>
           </a:p>
@@ -20650,126 +20913,6 @@
     <p:extLst>
       <p:ext uri="{BB962C8B-B14F-4D97-AF65-F5344CB8AC3E}">
         <p14:creationId xmlns:p14="http://schemas.microsoft.com/office/powerpoint/2010/main" val="1277713845"/>
-      </p:ext>
-    </p:extLst>
-  </p:cSld>
-  <p:clrMapOvr>
-    <a:masterClrMapping/>
-  </p:clrMapOvr>
-</p:sld>
-</file>
-
-<file path=ppt/slides/slide9.xml><?xml version="1.0" encoding="utf-8"?>
-<p:sld xmlns:a="http://schemas.openxmlformats.org/drawingml/2006/main" xmlns:r="http://schemas.openxmlformats.org/officeDocument/2006/relationships" xmlns:p="http://schemas.openxmlformats.org/presentationml/2006/main">
-  <p:cSld>
-    <p:spTree>
-      <p:nvGrpSpPr>
-        <p:cNvPr id="1" name=""/>
-        <p:cNvGrpSpPr/>
-        <p:nvPr/>
-      </p:nvGrpSpPr>
-      <p:grpSpPr>
-        <a:xfrm>
-          <a:off x="0" y="0"/>
-          <a:ext cx="0" cy="0"/>
-          <a:chOff x="0" y="0"/>
-          <a:chExt cx="0" cy="0"/>
-        </a:xfrm>
-      </p:grpSpPr>
-      <p:sp>
-        <p:nvSpPr>
-          <p:cNvPr id="2" name="Title 1"/>
-          <p:cNvSpPr>
-            <a:spLocks noGrp="1"/>
-          </p:cNvSpPr>
-          <p:nvPr>
-            <p:ph type="ctrTitle"/>
-          </p:nvPr>
-        </p:nvSpPr>
-        <p:spPr/>
-        <p:txBody>
-          <a:bodyPr/>
-          <a:lstStyle/>
-          <a:p>
-            <a:r>
-              <a:rPr lang="en-IN" dirty="0"/>
-              <a:t>Hash Table</a:t>
-            </a:r>
-          </a:p>
-        </p:txBody>
-      </p:sp>
-      <p:sp>
-        <p:nvSpPr>
-          <p:cNvPr id="3" name="Subtitle 2"/>
-          <p:cNvSpPr>
-            <a:spLocks noGrp="1"/>
-          </p:cNvSpPr>
-          <p:nvPr>
-            <p:ph type="subTitle" idx="1"/>
-          </p:nvPr>
-        </p:nvSpPr>
-        <p:spPr/>
-        <p:txBody>
-          <a:bodyPr/>
-          <a:lstStyle/>
-          <a:p>
-            <a:r>
-              <a:rPr lang="en-IN" dirty="0"/>
-              <a:t>Applications in dictionary clients</a:t>
-            </a:r>
-          </a:p>
-        </p:txBody>
-      </p:sp>
-      <p:sp>
-        <p:nvSpPr>
-          <p:cNvPr id="4" name="Footer Placeholder 3"/>
-          <p:cNvSpPr>
-            <a:spLocks noGrp="1"/>
-          </p:cNvSpPr>
-          <p:nvPr>
-            <p:ph type="ftr" sz="quarter" idx="11"/>
-          </p:nvPr>
-        </p:nvSpPr>
-        <p:spPr/>
-        <p:txBody>
-          <a:bodyPr/>
-          <a:lstStyle/>
-          <a:p>
-            <a:r>
-              <a:rPr lang="en-US" dirty="0"/>
-              <a:t>Based on Lecture Slides, Algorithms, 4th Edition, Robert Sedgewick and Kevin Wayne</a:t>
-            </a:r>
-            <a:endParaRPr lang="en-IN" dirty="0"/>
-          </a:p>
-        </p:txBody>
-      </p:sp>
-      <p:sp>
-        <p:nvSpPr>
-          <p:cNvPr id="5" name="Slide Number Placeholder 4"/>
-          <p:cNvSpPr>
-            <a:spLocks noGrp="1"/>
-          </p:cNvSpPr>
-          <p:nvPr>
-            <p:ph type="sldNum" sz="quarter" idx="12"/>
-          </p:nvPr>
-        </p:nvSpPr>
-        <p:spPr/>
-        <p:txBody>
-          <a:bodyPr/>
-          <a:lstStyle/>
-          <a:p>
-            <a:fld id="{BEE76C32-6E61-40C7-85E1-F37748E51406}" type="slidenum">
-              <a:rPr lang="en-IN" smtClean="0"/>
-              <a:t>9</a:t>
-            </a:fld>
-            <a:endParaRPr lang="en-IN"/>
-          </a:p>
-        </p:txBody>
-      </p:sp>
-    </p:spTree>
-    <p:extLst>
-      <p:ext uri="{BB962C8B-B14F-4D97-AF65-F5344CB8AC3E}">
-        <p14:creationId xmlns:p14="http://schemas.microsoft.com/office/powerpoint/2010/main" val="3758596566"/>
       </p:ext>
     </p:extLst>
   </p:cSld>
